--- a/files/Session_8_Ibrahim3zazy/Tasks/Searches/what is the meaning of (CRUD).pptx
+++ b/files/Session_8_Ibrahim3zazy/Tasks/Searches/what is the meaning of (CRUD).pptx
@@ -7,7 +7,7 @@
   <p:sldIdLst>
     <p:sldId id="256" r:id="rId2"/>
     <p:sldId id="257" r:id="rId3"/>
-    <p:sldId id="259" r:id="rId4"/>
+    <p:sldId id="258" r:id="rId4"/>
   </p:sldIdLst>
   <p:sldSz cx="12192000" cy="6858000"/>
   <p:notesSz cx="6858000" cy="9144000"/>
@@ -106,6 +106,11 @@
       </a:defRPr>
     </a:lvl9pPr>
   </p:defaultTextStyle>
+  <p:extLst>
+    <p:ext uri="{EFAFB233-063F-42B5-8137-9DF3F51BA10A}">
+      <p15:sldGuideLst xmlns:p15="http://schemas.microsoft.com/office/powerpoint/2012/main"/>
+    </p:ext>
+  </p:extLst>
 </p:presentation>
 </file>
 
@@ -131,7 +136,7 @@
           <p:cNvPr id="2" name="Title 1">
             <a:extLst>
               <a:ext uri="{FF2B5EF4-FFF2-40B4-BE49-F238E27FC236}">
-                <a16:creationId xmlns:a16="http://schemas.microsoft.com/office/drawing/2014/main" id="{92E40289-1749-03C3-B091-105256ECC9F4}"/>
+                <a16:creationId xmlns:a16="http://schemas.microsoft.com/office/drawing/2014/main" id="{C189B0AF-A08D-E379-D719-5D943532203E}"/>
               </a:ext>
             </a:extLst>
           </p:cNvPr>
@@ -168,7 +173,7 @@
           <p:cNvPr id="3" name="Subtitle 2">
             <a:extLst>
               <a:ext uri="{FF2B5EF4-FFF2-40B4-BE49-F238E27FC236}">
-                <a16:creationId xmlns:a16="http://schemas.microsoft.com/office/drawing/2014/main" id="{89295BAF-0DB6-9853-7BFA-6315F74DD5EB}"/>
+                <a16:creationId xmlns:a16="http://schemas.microsoft.com/office/drawing/2014/main" id="{82AC66CE-BBA9-A093-C2A1-7F6879D90D35}"/>
               </a:ext>
             </a:extLst>
           </p:cNvPr>
@@ -238,7 +243,7 @@
           <p:cNvPr id="4" name="Date Placeholder 3">
             <a:extLst>
               <a:ext uri="{FF2B5EF4-FFF2-40B4-BE49-F238E27FC236}">
-                <a16:creationId xmlns:a16="http://schemas.microsoft.com/office/drawing/2014/main" id="{DED5F1F7-C436-7CC0-E69C-B8A30CC31278}"/>
+                <a16:creationId xmlns:a16="http://schemas.microsoft.com/office/drawing/2014/main" id="{F0A4B72D-1B68-8A2D-573D-5F1D5578EC64}"/>
               </a:ext>
             </a:extLst>
           </p:cNvPr>
@@ -254,9 +259,9 @@
           <a:bodyPr/>
           <a:lstStyle/>
           <a:p>
-            <a:fld id="{A85EE0F3-F092-427D-A36C-2DB87EBD6FA5}" type="datetimeFigureOut">
+            <a:fld id="{BE640076-D87D-45C3-B4ED-8FA5E011B780}" type="datetimeFigureOut">
               <a:rPr lang="en-US" smtClean="0"/>
-              <a:t>2024-04-06</a:t>
+              <a:t>2024-04-12</a:t>
             </a:fld>
             <a:endParaRPr lang="en-US"/>
           </a:p>
@@ -267,7 +272,7 @@
           <p:cNvPr id="5" name="Footer Placeholder 4">
             <a:extLst>
               <a:ext uri="{FF2B5EF4-FFF2-40B4-BE49-F238E27FC236}">
-                <a16:creationId xmlns:a16="http://schemas.microsoft.com/office/drawing/2014/main" id="{AE533F1B-9827-CCE4-A13C-08925450C2BE}"/>
+                <a16:creationId xmlns:a16="http://schemas.microsoft.com/office/drawing/2014/main" id="{72DCC9D6-7098-8229-6D40-555AF7A5DE3C}"/>
               </a:ext>
             </a:extLst>
           </p:cNvPr>
@@ -292,7 +297,7 @@
           <p:cNvPr id="6" name="Slide Number Placeholder 5">
             <a:extLst>
               <a:ext uri="{FF2B5EF4-FFF2-40B4-BE49-F238E27FC236}">
-                <a16:creationId xmlns:a16="http://schemas.microsoft.com/office/drawing/2014/main" id="{4F8FF68B-448F-FA8D-FDF7-21052EF0EEDA}"/>
+                <a16:creationId xmlns:a16="http://schemas.microsoft.com/office/drawing/2014/main" id="{79887981-D74E-615A-3D4C-459DFB095BB4}"/>
               </a:ext>
             </a:extLst>
           </p:cNvPr>
@@ -308,7 +313,7 @@
           <a:bodyPr/>
           <a:lstStyle/>
           <a:p>
-            <a:fld id="{A830316A-5C6B-4A15-B428-AAA4C74F098B}" type="slidenum">
+            <a:fld id="{9F590A3F-D028-4535-B57E-6D9D8AD4D498}" type="slidenum">
               <a:rPr lang="en-US" smtClean="0"/>
               <a:t>‹#›</a:t>
             </a:fld>
@@ -319,20 +324,20 @@
     </p:spTree>
     <p:extLst>
       <p:ext uri="{BB962C8B-B14F-4D97-AF65-F5344CB8AC3E}">
-        <p14:creationId xmlns:p14="http://schemas.microsoft.com/office/powerpoint/2010/main" val="675189257"/>
+        <p14:creationId xmlns:p14="http://schemas.microsoft.com/office/powerpoint/2010/main" val="4061269010"/>
       </p:ext>
     </p:extLst>
   </p:cSld>
   <p:clrMapOvr>
     <a:masterClrMapping/>
   </p:clrMapOvr>
-  <mc:AlternateContent xmlns:mc="http://schemas.openxmlformats.org/markup-compatibility/2006">
-    <mc:Choice xmlns:p14="http://schemas.microsoft.com/office/powerpoint/2010/main" Requires="p14">
+  <mc:AlternateContent xmlns:mc="http://schemas.openxmlformats.org/markup-compatibility/2006" xmlns:p14="http://schemas.microsoft.com/office/powerpoint/2010/main">
+    <mc:Choice Requires="p14">
       <p:transition spd="slow" p14:dur="1500">
         <p:random/>
       </p:transition>
     </mc:Choice>
-    <mc:Fallback>
+    <mc:Fallback xmlns="">
       <p:transition spd="slow">
         <p:random/>
       </p:transition>
@@ -363,7 +368,7 @@
           <p:cNvPr id="2" name="Title 1">
             <a:extLst>
               <a:ext uri="{FF2B5EF4-FFF2-40B4-BE49-F238E27FC236}">
-                <a16:creationId xmlns:a16="http://schemas.microsoft.com/office/drawing/2014/main" id="{6539AC0B-6818-79E6-3E5A-DA4FD9B74AAD}"/>
+                <a16:creationId xmlns:a16="http://schemas.microsoft.com/office/drawing/2014/main" id="{9F730A6E-F114-CAE5-F84A-A58A763F3E35}"/>
               </a:ext>
             </a:extLst>
           </p:cNvPr>
@@ -391,7 +396,7 @@
           <p:cNvPr id="3" name="Vertical Text Placeholder 2">
             <a:extLst>
               <a:ext uri="{FF2B5EF4-FFF2-40B4-BE49-F238E27FC236}">
-                <a16:creationId xmlns:a16="http://schemas.microsoft.com/office/drawing/2014/main" id="{62C068D6-B682-AF58-4A33-FB3ECF8116F6}"/>
+                <a16:creationId xmlns:a16="http://schemas.microsoft.com/office/drawing/2014/main" id="{2847235B-EA29-2CB1-BB2B-E6013DAAB2F0}"/>
               </a:ext>
             </a:extLst>
           </p:cNvPr>
@@ -448,7 +453,7 @@
           <p:cNvPr id="4" name="Date Placeholder 3">
             <a:extLst>
               <a:ext uri="{FF2B5EF4-FFF2-40B4-BE49-F238E27FC236}">
-                <a16:creationId xmlns:a16="http://schemas.microsoft.com/office/drawing/2014/main" id="{A542243D-9CE5-79CC-7E6B-F592EC30280D}"/>
+                <a16:creationId xmlns:a16="http://schemas.microsoft.com/office/drawing/2014/main" id="{47DEE900-A2BF-0351-0BC0-BFBB260A8FE2}"/>
               </a:ext>
             </a:extLst>
           </p:cNvPr>
@@ -464,9 +469,9 @@
           <a:bodyPr/>
           <a:lstStyle/>
           <a:p>
-            <a:fld id="{A85EE0F3-F092-427D-A36C-2DB87EBD6FA5}" type="datetimeFigureOut">
+            <a:fld id="{BE640076-D87D-45C3-B4ED-8FA5E011B780}" type="datetimeFigureOut">
               <a:rPr lang="en-US" smtClean="0"/>
-              <a:t>2024-04-06</a:t>
+              <a:t>2024-04-12</a:t>
             </a:fld>
             <a:endParaRPr lang="en-US"/>
           </a:p>
@@ -477,7 +482,7 @@
           <p:cNvPr id="5" name="Footer Placeholder 4">
             <a:extLst>
               <a:ext uri="{FF2B5EF4-FFF2-40B4-BE49-F238E27FC236}">
-                <a16:creationId xmlns:a16="http://schemas.microsoft.com/office/drawing/2014/main" id="{21397169-1D44-4338-5886-5A945F33CA6E}"/>
+                <a16:creationId xmlns:a16="http://schemas.microsoft.com/office/drawing/2014/main" id="{72C70269-2658-308D-E0A1-EEAF2103DC69}"/>
               </a:ext>
             </a:extLst>
           </p:cNvPr>
@@ -502,7 +507,7 @@
           <p:cNvPr id="6" name="Slide Number Placeholder 5">
             <a:extLst>
               <a:ext uri="{FF2B5EF4-FFF2-40B4-BE49-F238E27FC236}">
-                <a16:creationId xmlns:a16="http://schemas.microsoft.com/office/drawing/2014/main" id="{3BCA0232-0341-F098-2EB3-D1101760E679}"/>
+                <a16:creationId xmlns:a16="http://schemas.microsoft.com/office/drawing/2014/main" id="{1D4F2D89-7F6C-34B2-0139-74918633BFC3}"/>
               </a:ext>
             </a:extLst>
           </p:cNvPr>
@@ -518,7 +523,7 @@
           <a:bodyPr/>
           <a:lstStyle/>
           <a:p>
-            <a:fld id="{A830316A-5C6B-4A15-B428-AAA4C74F098B}" type="slidenum">
+            <a:fld id="{9F590A3F-D028-4535-B57E-6D9D8AD4D498}" type="slidenum">
               <a:rPr lang="en-US" smtClean="0"/>
               <a:t>‹#›</a:t>
             </a:fld>
@@ -529,20 +534,20 @@
     </p:spTree>
     <p:extLst>
       <p:ext uri="{BB962C8B-B14F-4D97-AF65-F5344CB8AC3E}">
-        <p14:creationId xmlns:p14="http://schemas.microsoft.com/office/powerpoint/2010/main" val="4201054845"/>
+        <p14:creationId xmlns:p14="http://schemas.microsoft.com/office/powerpoint/2010/main" val="1332842958"/>
       </p:ext>
     </p:extLst>
   </p:cSld>
   <p:clrMapOvr>
     <a:masterClrMapping/>
   </p:clrMapOvr>
-  <mc:AlternateContent xmlns:mc="http://schemas.openxmlformats.org/markup-compatibility/2006">
-    <mc:Choice xmlns:p14="http://schemas.microsoft.com/office/powerpoint/2010/main" Requires="p14">
+  <mc:AlternateContent xmlns:mc="http://schemas.openxmlformats.org/markup-compatibility/2006" xmlns:p14="http://schemas.microsoft.com/office/powerpoint/2010/main">
+    <mc:Choice Requires="p14">
       <p:transition spd="slow" p14:dur="1500">
         <p:random/>
       </p:transition>
     </mc:Choice>
-    <mc:Fallback>
+    <mc:Fallback xmlns="">
       <p:transition spd="slow">
         <p:random/>
       </p:transition>
@@ -573,7 +578,7 @@
           <p:cNvPr id="2" name="Vertical Title 1">
             <a:extLst>
               <a:ext uri="{FF2B5EF4-FFF2-40B4-BE49-F238E27FC236}">
-                <a16:creationId xmlns:a16="http://schemas.microsoft.com/office/drawing/2014/main" id="{7AC4E26C-865C-9ACA-DEED-A516C0363BE9}"/>
+                <a16:creationId xmlns:a16="http://schemas.microsoft.com/office/drawing/2014/main" id="{8D72E5DE-375F-5900-AD46-FC15A5CA0A06}"/>
               </a:ext>
             </a:extLst>
           </p:cNvPr>
@@ -606,7 +611,7 @@
           <p:cNvPr id="3" name="Vertical Text Placeholder 2">
             <a:extLst>
               <a:ext uri="{FF2B5EF4-FFF2-40B4-BE49-F238E27FC236}">
-                <a16:creationId xmlns:a16="http://schemas.microsoft.com/office/drawing/2014/main" id="{DDF78FAF-C9FA-B2B0-4758-37DECC0473B9}"/>
+                <a16:creationId xmlns:a16="http://schemas.microsoft.com/office/drawing/2014/main" id="{C9BBA3F1-5BA1-A894-D1C6-40402202C75D}"/>
               </a:ext>
             </a:extLst>
           </p:cNvPr>
@@ -668,7 +673,7 @@
           <p:cNvPr id="4" name="Date Placeholder 3">
             <a:extLst>
               <a:ext uri="{FF2B5EF4-FFF2-40B4-BE49-F238E27FC236}">
-                <a16:creationId xmlns:a16="http://schemas.microsoft.com/office/drawing/2014/main" id="{63273544-CF03-361C-424A-DD0BEA671708}"/>
+                <a16:creationId xmlns:a16="http://schemas.microsoft.com/office/drawing/2014/main" id="{D140D0B1-4E95-BD0F-3FCC-01FF92D2599B}"/>
               </a:ext>
             </a:extLst>
           </p:cNvPr>
@@ -684,9 +689,9 @@
           <a:bodyPr/>
           <a:lstStyle/>
           <a:p>
-            <a:fld id="{A85EE0F3-F092-427D-A36C-2DB87EBD6FA5}" type="datetimeFigureOut">
+            <a:fld id="{BE640076-D87D-45C3-B4ED-8FA5E011B780}" type="datetimeFigureOut">
               <a:rPr lang="en-US" smtClean="0"/>
-              <a:t>2024-04-06</a:t>
+              <a:t>2024-04-12</a:t>
             </a:fld>
             <a:endParaRPr lang="en-US"/>
           </a:p>
@@ -697,7 +702,7 @@
           <p:cNvPr id="5" name="Footer Placeholder 4">
             <a:extLst>
               <a:ext uri="{FF2B5EF4-FFF2-40B4-BE49-F238E27FC236}">
-                <a16:creationId xmlns:a16="http://schemas.microsoft.com/office/drawing/2014/main" id="{B136E4F8-8A4C-2781-4593-5B5233B440BA}"/>
+                <a16:creationId xmlns:a16="http://schemas.microsoft.com/office/drawing/2014/main" id="{CF225FE0-3429-C82C-E379-8079B6666B6D}"/>
               </a:ext>
             </a:extLst>
           </p:cNvPr>
@@ -722,7 +727,7 @@
           <p:cNvPr id="6" name="Slide Number Placeholder 5">
             <a:extLst>
               <a:ext uri="{FF2B5EF4-FFF2-40B4-BE49-F238E27FC236}">
-                <a16:creationId xmlns:a16="http://schemas.microsoft.com/office/drawing/2014/main" id="{CE301348-D982-30AA-8F9A-2D4ADC543444}"/>
+                <a16:creationId xmlns:a16="http://schemas.microsoft.com/office/drawing/2014/main" id="{1FB33E80-9A24-1555-B5DA-88B7C4859198}"/>
               </a:ext>
             </a:extLst>
           </p:cNvPr>
@@ -738,7 +743,7 @@
           <a:bodyPr/>
           <a:lstStyle/>
           <a:p>
-            <a:fld id="{A830316A-5C6B-4A15-B428-AAA4C74F098B}" type="slidenum">
+            <a:fld id="{9F590A3F-D028-4535-B57E-6D9D8AD4D498}" type="slidenum">
               <a:rPr lang="en-US" smtClean="0"/>
               <a:t>‹#›</a:t>
             </a:fld>
@@ -749,20 +754,20 @@
     </p:spTree>
     <p:extLst>
       <p:ext uri="{BB962C8B-B14F-4D97-AF65-F5344CB8AC3E}">
-        <p14:creationId xmlns:p14="http://schemas.microsoft.com/office/powerpoint/2010/main" val="1418246685"/>
+        <p14:creationId xmlns:p14="http://schemas.microsoft.com/office/powerpoint/2010/main" val="3808272506"/>
       </p:ext>
     </p:extLst>
   </p:cSld>
   <p:clrMapOvr>
     <a:masterClrMapping/>
   </p:clrMapOvr>
-  <mc:AlternateContent xmlns:mc="http://schemas.openxmlformats.org/markup-compatibility/2006">
-    <mc:Choice xmlns:p14="http://schemas.microsoft.com/office/powerpoint/2010/main" Requires="p14">
+  <mc:AlternateContent xmlns:mc="http://schemas.openxmlformats.org/markup-compatibility/2006" xmlns:p14="http://schemas.microsoft.com/office/powerpoint/2010/main">
+    <mc:Choice Requires="p14">
       <p:transition spd="slow" p14:dur="1500">
         <p:random/>
       </p:transition>
     </mc:Choice>
-    <mc:Fallback>
+    <mc:Fallback xmlns="">
       <p:transition spd="slow">
         <p:random/>
       </p:transition>
@@ -793,7 +798,7 @@
           <p:cNvPr id="2" name="Title 1">
             <a:extLst>
               <a:ext uri="{FF2B5EF4-FFF2-40B4-BE49-F238E27FC236}">
-                <a16:creationId xmlns:a16="http://schemas.microsoft.com/office/drawing/2014/main" id="{C963E036-E0E6-D297-9D9D-C2B78437030C}"/>
+                <a16:creationId xmlns:a16="http://schemas.microsoft.com/office/drawing/2014/main" id="{D24B9C9B-F029-BEF6-9C88-55B379A4E1D8}"/>
               </a:ext>
             </a:extLst>
           </p:cNvPr>
@@ -821,7 +826,7 @@
           <p:cNvPr id="3" name="Content Placeholder 2">
             <a:extLst>
               <a:ext uri="{FF2B5EF4-FFF2-40B4-BE49-F238E27FC236}">
-                <a16:creationId xmlns:a16="http://schemas.microsoft.com/office/drawing/2014/main" id="{829AFB43-D017-2498-95D3-E49347B2AA13}"/>
+                <a16:creationId xmlns:a16="http://schemas.microsoft.com/office/drawing/2014/main" id="{083040EF-E8C0-7EA1-3021-C449F46FB460}"/>
               </a:ext>
             </a:extLst>
           </p:cNvPr>
@@ -878,7 +883,7 @@
           <p:cNvPr id="4" name="Date Placeholder 3">
             <a:extLst>
               <a:ext uri="{FF2B5EF4-FFF2-40B4-BE49-F238E27FC236}">
-                <a16:creationId xmlns:a16="http://schemas.microsoft.com/office/drawing/2014/main" id="{669B5578-6018-212C-4436-2E0F681570AA}"/>
+                <a16:creationId xmlns:a16="http://schemas.microsoft.com/office/drawing/2014/main" id="{4D4945FF-BA4D-154C-E299-77A82FA66183}"/>
               </a:ext>
             </a:extLst>
           </p:cNvPr>
@@ -894,9 +899,9 @@
           <a:bodyPr/>
           <a:lstStyle/>
           <a:p>
-            <a:fld id="{A85EE0F3-F092-427D-A36C-2DB87EBD6FA5}" type="datetimeFigureOut">
+            <a:fld id="{BE640076-D87D-45C3-B4ED-8FA5E011B780}" type="datetimeFigureOut">
               <a:rPr lang="en-US" smtClean="0"/>
-              <a:t>2024-04-06</a:t>
+              <a:t>2024-04-12</a:t>
             </a:fld>
             <a:endParaRPr lang="en-US"/>
           </a:p>
@@ -907,7 +912,7 @@
           <p:cNvPr id="5" name="Footer Placeholder 4">
             <a:extLst>
               <a:ext uri="{FF2B5EF4-FFF2-40B4-BE49-F238E27FC236}">
-                <a16:creationId xmlns:a16="http://schemas.microsoft.com/office/drawing/2014/main" id="{45DD9095-F9A6-CA5E-E829-4786679E8C7E}"/>
+                <a16:creationId xmlns:a16="http://schemas.microsoft.com/office/drawing/2014/main" id="{AD84D702-5F8A-558A-2DBE-D19C9B521ABE}"/>
               </a:ext>
             </a:extLst>
           </p:cNvPr>
@@ -932,7 +937,7 @@
           <p:cNvPr id="6" name="Slide Number Placeholder 5">
             <a:extLst>
               <a:ext uri="{FF2B5EF4-FFF2-40B4-BE49-F238E27FC236}">
-                <a16:creationId xmlns:a16="http://schemas.microsoft.com/office/drawing/2014/main" id="{8B944C84-BD70-AE6A-0738-8CC46C3C619D}"/>
+                <a16:creationId xmlns:a16="http://schemas.microsoft.com/office/drawing/2014/main" id="{C579EB29-2B4E-0830-A74F-314D334DE61E}"/>
               </a:ext>
             </a:extLst>
           </p:cNvPr>
@@ -948,7 +953,7 @@
           <a:bodyPr/>
           <a:lstStyle/>
           <a:p>
-            <a:fld id="{A830316A-5C6B-4A15-B428-AAA4C74F098B}" type="slidenum">
+            <a:fld id="{9F590A3F-D028-4535-B57E-6D9D8AD4D498}" type="slidenum">
               <a:rPr lang="en-US" smtClean="0"/>
               <a:t>‹#›</a:t>
             </a:fld>
@@ -959,20 +964,20 @@
     </p:spTree>
     <p:extLst>
       <p:ext uri="{BB962C8B-B14F-4D97-AF65-F5344CB8AC3E}">
-        <p14:creationId xmlns:p14="http://schemas.microsoft.com/office/powerpoint/2010/main" val="3519388909"/>
+        <p14:creationId xmlns:p14="http://schemas.microsoft.com/office/powerpoint/2010/main" val="3721298349"/>
       </p:ext>
     </p:extLst>
   </p:cSld>
   <p:clrMapOvr>
     <a:masterClrMapping/>
   </p:clrMapOvr>
-  <mc:AlternateContent xmlns:mc="http://schemas.openxmlformats.org/markup-compatibility/2006">
-    <mc:Choice xmlns:p14="http://schemas.microsoft.com/office/powerpoint/2010/main" Requires="p14">
+  <mc:AlternateContent xmlns:mc="http://schemas.openxmlformats.org/markup-compatibility/2006" xmlns:p14="http://schemas.microsoft.com/office/powerpoint/2010/main">
+    <mc:Choice Requires="p14">
       <p:transition spd="slow" p14:dur="1500">
         <p:random/>
       </p:transition>
     </mc:Choice>
-    <mc:Fallback>
+    <mc:Fallback xmlns="">
       <p:transition spd="slow">
         <p:random/>
       </p:transition>
@@ -1003,7 +1008,7 @@
           <p:cNvPr id="2" name="Title 1">
             <a:extLst>
               <a:ext uri="{FF2B5EF4-FFF2-40B4-BE49-F238E27FC236}">
-                <a16:creationId xmlns:a16="http://schemas.microsoft.com/office/drawing/2014/main" id="{34AE2FCC-5D71-3240-D7EB-DFF562F3005E}"/>
+                <a16:creationId xmlns:a16="http://schemas.microsoft.com/office/drawing/2014/main" id="{15CEED66-453F-93AE-0C10-17D0D4514FC0}"/>
               </a:ext>
             </a:extLst>
           </p:cNvPr>
@@ -1040,7 +1045,7 @@
           <p:cNvPr id="3" name="Text Placeholder 2">
             <a:extLst>
               <a:ext uri="{FF2B5EF4-FFF2-40B4-BE49-F238E27FC236}">
-                <a16:creationId xmlns:a16="http://schemas.microsoft.com/office/drawing/2014/main" id="{8566C372-5C31-1E2F-BB50-D208467FD760}"/>
+                <a16:creationId xmlns:a16="http://schemas.microsoft.com/office/drawing/2014/main" id="{C1B9B7C2-5B91-1956-C28A-56271C291E18}"/>
               </a:ext>
             </a:extLst>
           </p:cNvPr>
@@ -1065,7 +1070,7 @@
               <a:defRPr sz="2400">
                 <a:solidFill>
                   <a:schemeClr val="tx1">
-                    <a:tint val="82000"/>
+                    <a:tint val="75000"/>
                   </a:schemeClr>
                 </a:solidFill>
               </a:defRPr>
@@ -1075,7 +1080,7 @@
               <a:defRPr sz="2000">
                 <a:solidFill>
                   <a:schemeClr val="tx1">
-                    <a:tint val="82000"/>
+                    <a:tint val="75000"/>
                   </a:schemeClr>
                 </a:solidFill>
               </a:defRPr>
@@ -1085,7 +1090,7 @@
               <a:defRPr sz="1800">
                 <a:solidFill>
                   <a:schemeClr val="tx1">
-                    <a:tint val="82000"/>
+                    <a:tint val="75000"/>
                   </a:schemeClr>
                 </a:solidFill>
               </a:defRPr>
@@ -1095,7 +1100,7 @@
               <a:defRPr sz="1600">
                 <a:solidFill>
                   <a:schemeClr val="tx1">
-                    <a:tint val="82000"/>
+                    <a:tint val="75000"/>
                   </a:schemeClr>
                 </a:solidFill>
               </a:defRPr>
@@ -1105,7 +1110,7 @@
               <a:defRPr sz="1600">
                 <a:solidFill>
                   <a:schemeClr val="tx1">
-                    <a:tint val="82000"/>
+                    <a:tint val="75000"/>
                   </a:schemeClr>
                 </a:solidFill>
               </a:defRPr>
@@ -1115,7 +1120,7 @@
               <a:defRPr sz="1600">
                 <a:solidFill>
                   <a:schemeClr val="tx1">
-                    <a:tint val="82000"/>
+                    <a:tint val="75000"/>
                   </a:schemeClr>
                 </a:solidFill>
               </a:defRPr>
@@ -1125,7 +1130,7 @@
               <a:defRPr sz="1600">
                 <a:solidFill>
                   <a:schemeClr val="tx1">
-                    <a:tint val="82000"/>
+                    <a:tint val="75000"/>
                   </a:schemeClr>
                 </a:solidFill>
               </a:defRPr>
@@ -1135,7 +1140,7 @@
               <a:defRPr sz="1600">
                 <a:solidFill>
                   <a:schemeClr val="tx1">
-                    <a:tint val="82000"/>
+                    <a:tint val="75000"/>
                   </a:schemeClr>
                 </a:solidFill>
               </a:defRPr>
@@ -1145,7 +1150,7 @@
               <a:defRPr sz="1600">
                 <a:solidFill>
                   <a:schemeClr val="tx1">
-                    <a:tint val="82000"/>
+                    <a:tint val="75000"/>
                   </a:schemeClr>
                 </a:solidFill>
               </a:defRPr>
@@ -1165,7 +1170,7 @@
           <p:cNvPr id="4" name="Date Placeholder 3">
             <a:extLst>
               <a:ext uri="{FF2B5EF4-FFF2-40B4-BE49-F238E27FC236}">
-                <a16:creationId xmlns:a16="http://schemas.microsoft.com/office/drawing/2014/main" id="{E4D7F2EE-4626-77A7-ACFF-2E28802D4597}"/>
+                <a16:creationId xmlns:a16="http://schemas.microsoft.com/office/drawing/2014/main" id="{0F2206EC-D298-0FFF-DBD1-64CE41041556}"/>
               </a:ext>
             </a:extLst>
           </p:cNvPr>
@@ -1181,9 +1186,9 @@
           <a:bodyPr/>
           <a:lstStyle/>
           <a:p>
-            <a:fld id="{A85EE0F3-F092-427D-A36C-2DB87EBD6FA5}" type="datetimeFigureOut">
+            <a:fld id="{BE640076-D87D-45C3-B4ED-8FA5E011B780}" type="datetimeFigureOut">
               <a:rPr lang="en-US" smtClean="0"/>
-              <a:t>2024-04-06</a:t>
+              <a:t>2024-04-12</a:t>
             </a:fld>
             <a:endParaRPr lang="en-US"/>
           </a:p>
@@ -1194,7 +1199,7 @@
           <p:cNvPr id="5" name="Footer Placeholder 4">
             <a:extLst>
               <a:ext uri="{FF2B5EF4-FFF2-40B4-BE49-F238E27FC236}">
-                <a16:creationId xmlns:a16="http://schemas.microsoft.com/office/drawing/2014/main" id="{8FB9FB60-84A6-C632-C32A-A8285FE3EBF4}"/>
+                <a16:creationId xmlns:a16="http://schemas.microsoft.com/office/drawing/2014/main" id="{E0D17C53-AC64-C8EA-9D3A-79C212DAFA46}"/>
               </a:ext>
             </a:extLst>
           </p:cNvPr>
@@ -1219,7 +1224,7 @@
           <p:cNvPr id="6" name="Slide Number Placeholder 5">
             <a:extLst>
               <a:ext uri="{FF2B5EF4-FFF2-40B4-BE49-F238E27FC236}">
-                <a16:creationId xmlns:a16="http://schemas.microsoft.com/office/drawing/2014/main" id="{4B86B4FE-EBEE-8F00-FB3D-A15EE4BDFE77}"/>
+                <a16:creationId xmlns:a16="http://schemas.microsoft.com/office/drawing/2014/main" id="{F063B912-899A-6682-3B9F-4F420B64423E}"/>
               </a:ext>
             </a:extLst>
           </p:cNvPr>
@@ -1235,7 +1240,7 @@
           <a:bodyPr/>
           <a:lstStyle/>
           <a:p>
-            <a:fld id="{A830316A-5C6B-4A15-B428-AAA4C74F098B}" type="slidenum">
+            <a:fld id="{9F590A3F-D028-4535-B57E-6D9D8AD4D498}" type="slidenum">
               <a:rPr lang="en-US" smtClean="0"/>
               <a:t>‹#›</a:t>
             </a:fld>
@@ -1246,20 +1251,20 @@
     </p:spTree>
     <p:extLst>
       <p:ext uri="{BB962C8B-B14F-4D97-AF65-F5344CB8AC3E}">
-        <p14:creationId xmlns:p14="http://schemas.microsoft.com/office/powerpoint/2010/main" val="1140310925"/>
+        <p14:creationId xmlns:p14="http://schemas.microsoft.com/office/powerpoint/2010/main" val="986712054"/>
       </p:ext>
     </p:extLst>
   </p:cSld>
   <p:clrMapOvr>
     <a:masterClrMapping/>
   </p:clrMapOvr>
-  <mc:AlternateContent xmlns:mc="http://schemas.openxmlformats.org/markup-compatibility/2006">
-    <mc:Choice xmlns:p14="http://schemas.microsoft.com/office/powerpoint/2010/main" Requires="p14">
+  <mc:AlternateContent xmlns:mc="http://schemas.openxmlformats.org/markup-compatibility/2006" xmlns:p14="http://schemas.microsoft.com/office/powerpoint/2010/main">
+    <mc:Choice Requires="p14">
       <p:transition spd="slow" p14:dur="1500">
         <p:random/>
       </p:transition>
     </mc:Choice>
-    <mc:Fallback>
+    <mc:Fallback xmlns="">
       <p:transition spd="slow">
         <p:random/>
       </p:transition>
@@ -1290,7 +1295,7 @@
           <p:cNvPr id="2" name="Title 1">
             <a:extLst>
               <a:ext uri="{FF2B5EF4-FFF2-40B4-BE49-F238E27FC236}">
-                <a16:creationId xmlns:a16="http://schemas.microsoft.com/office/drawing/2014/main" id="{7EE3363D-5F29-E0E3-185C-6192874E99AD}"/>
+                <a16:creationId xmlns:a16="http://schemas.microsoft.com/office/drawing/2014/main" id="{4E5544BB-BB32-CBB9-6044-95E43C055D54}"/>
               </a:ext>
             </a:extLst>
           </p:cNvPr>
@@ -1318,7 +1323,7 @@
           <p:cNvPr id="3" name="Content Placeholder 2">
             <a:extLst>
               <a:ext uri="{FF2B5EF4-FFF2-40B4-BE49-F238E27FC236}">
-                <a16:creationId xmlns:a16="http://schemas.microsoft.com/office/drawing/2014/main" id="{93042759-4260-5F38-00FF-80E2C5068DFC}"/>
+                <a16:creationId xmlns:a16="http://schemas.microsoft.com/office/drawing/2014/main" id="{F2723FC5-3278-A16F-39AB-A728C0EC19CD}"/>
               </a:ext>
             </a:extLst>
           </p:cNvPr>
@@ -1380,7 +1385,7 @@
           <p:cNvPr id="4" name="Content Placeholder 3">
             <a:extLst>
               <a:ext uri="{FF2B5EF4-FFF2-40B4-BE49-F238E27FC236}">
-                <a16:creationId xmlns:a16="http://schemas.microsoft.com/office/drawing/2014/main" id="{2AAF9631-7DF0-6DEC-9714-4242C2C18D31}"/>
+                <a16:creationId xmlns:a16="http://schemas.microsoft.com/office/drawing/2014/main" id="{A6A16A1E-4F7B-5822-8CD5-AD75162ABC7A}"/>
               </a:ext>
             </a:extLst>
           </p:cNvPr>
@@ -1442,7 +1447,7 @@
           <p:cNvPr id="5" name="Date Placeholder 4">
             <a:extLst>
               <a:ext uri="{FF2B5EF4-FFF2-40B4-BE49-F238E27FC236}">
-                <a16:creationId xmlns:a16="http://schemas.microsoft.com/office/drawing/2014/main" id="{E0919F03-275A-4B33-FD9F-04E8F2F42C1B}"/>
+                <a16:creationId xmlns:a16="http://schemas.microsoft.com/office/drawing/2014/main" id="{61285876-7344-EBCC-09DD-2E59C8CCB6E8}"/>
               </a:ext>
             </a:extLst>
           </p:cNvPr>
@@ -1458,9 +1463,9 @@
           <a:bodyPr/>
           <a:lstStyle/>
           <a:p>
-            <a:fld id="{A85EE0F3-F092-427D-A36C-2DB87EBD6FA5}" type="datetimeFigureOut">
+            <a:fld id="{BE640076-D87D-45C3-B4ED-8FA5E011B780}" type="datetimeFigureOut">
               <a:rPr lang="en-US" smtClean="0"/>
-              <a:t>2024-04-06</a:t>
+              <a:t>2024-04-12</a:t>
             </a:fld>
             <a:endParaRPr lang="en-US"/>
           </a:p>
@@ -1471,7 +1476,7 @@
           <p:cNvPr id="6" name="Footer Placeholder 5">
             <a:extLst>
               <a:ext uri="{FF2B5EF4-FFF2-40B4-BE49-F238E27FC236}">
-                <a16:creationId xmlns:a16="http://schemas.microsoft.com/office/drawing/2014/main" id="{05464615-AE91-31AF-C190-410275A5B70E}"/>
+                <a16:creationId xmlns:a16="http://schemas.microsoft.com/office/drawing/2014/main" id="{2543E7CA-8F33-01EF-5ADC-014A6DBE3EE2}"/>
               </a:ext>
             </a:extLst>
           </p:cNvPr>
@@ -1496,7 +1501,7 @@
           <p:cNvPr id="7" name="Slide Number Placeholder 6">
             <a:extLst>
               <a:ext uri="{FF2B5EF4-FFF2-40B4-BE49-F238E27FC236}">
-                <a16:creationId xmlns:a16="http://schemas.microsoft.com/office/drawing/2014/main" id="{40441998-3F34-7232-252F-33D27BBDAD65}"/>
+                <a16:creationId xmlns:a16="http://schemas.microsoft.com/office/drawing/2014/main" id="{4D80215F-FD52-A088-C96A-7C137C1D7099}"/>
               </a:ext>
             </a:extLst>
           </p:cNvPr>
@@ -1512,7 +1517,7 @@
           <a:bodyPr/>
           <a:lstStyle/>
           <a:p>
-            <a:fld id="{A830316A-5C6B-4A15-B428-AAA4C74F098B}" type="slidenum">
+            <a:fld id="{9F590A3F-D028-4535-B57E-6D9D8AD4D498}" type="slidenum">
               <a:rPr lang="en-US" smtClean="0"/>
               <a:t>‹#›</a:t>
             </a:fld>
@@ -1523,20 +1528,20 @@
     </p:spTree>
     <p:extLst>
       <p:ext uri="{BB962C8B-B14F-4D97-AF65-F5344CB8AC3E}">
-        <p14:creationId xmlns:p14="http://schemas.microsoft.com/office/powerpoint/2010/main" val="3830383707"/>
+        <p14:creationId xmlns:p14="http://schemas.microsoft.com/office/powerpoint/2010/main" val="3814785474"/>
       </p:ext>
     </p:extLst>
   </p:cSld>
   <p:clrMapOvr>
     <a:masterClrMapping/>
   </p:clrMapOvr>
-  <mc:AlternateContent xmlns:mc="http://schemas.openxmlformats.org/markup-compatibility/2006">
-    <mc:Choice xmlns:p14="http://schemas.microsoft.com/office/powerpoint/2010/main" Requires="p14">
+  <mc:AlternateContent xmlns:mc="http://schemas.openxmlformats.org/markup-compatibility/2006" xmlns:p14="http://schemas.microsoft.com/office/powerpoint/2010/main">
+    <mc:Choice Requires="p14">
       <p:transition spd="slow" p14:dur="1500">
         <p:random/>
       </p:transition>
     </mc:Choice>
-    <mc:Fallback>
+    <mc:Fallback xmlns="">
       <p:transition spd="slow">
         <p:random/>
       </p:transition>
@@ -1567,7 +1572,7 @@
           <p:cNvPr id="2" name="Title 1">
             <a:extLst>
               <a:ext uri="{FF2B5EF4-FFF2-40B4-BE49-F238E27FC236}">
-                <a16:creationId xmlns:a16="http://schemas.microsoft.com/office/drawing/2014/main" id="{4991286B-9F23-AD1E-C03F-33B88D2F1DF1}"/>
+                <a16:creationId xmlns:a16="http://schemas.microsoft.com/office/drawing/2014/main" id="{788BF056-88B3-62EE-8371-8F119073D4CA}"/>
               </a:ext>
             </a:extLst>
           </p:cNvPr>
@@ -1600,7 +1605,7 @@
           <p:cNvPr id="3" name="Text Placeholder 2">
             <a:extLst>
               <a:ext uri="{FF2B5EF4-FFF2-40B4-BE49-F238E27FC236}">
-                <a16:creationId xmlns:a16="http://schemas.microsoft.com/office/drawing/2014/main" id="{C6D1485A-CA59-F772-854E-76989557FEFB}"/>
+                <a16:creationId xmlns:a16="http://schemas.microsoft.com/office/drawing/2014/main" id="{C097588D-E3D9-4DA5-FC1D-ABBF2524E7B5}"/>
               </a:ext>
             </a:extLst>
           </p:cNvPr>
@@ -1671,7 +1676,7 @@
           <p:cNvPr id="4" name="Content Placeholder 3">
             <a:extLst>
               <a:ext uri="{FF2B5EF4-FFF2-40B4-BE49-F238E27FC236}">
-                <a16:creationId xmlns:a16="http://schemas.microsoft.com/office/drawing/2014/main" id="{79C215E9-F280-BC3F-8C66-BE619C931634}"/>
+                <a16:creationId xmlns:a16="http://schemas.microsoft.com/office/drawing/2014/main" id="{14CF6AC0-B833-4D22-7EB9-1A478C000E03}"/>
               </a:ext>
             </a:extLst>
           </p:cNvPr>
@@ -1733,7 +1738,7 @@
           <p:cNvPr id="5" name="Text Placeholder 4">
             <a:extLst>
               <a:ext uri="{FF2B5EF4-FFF2-40B4-BE49-F238E27FC236}">
-                <a16:creationId xmlns:a16="http://schemas.microsoft.com/office/drawing/2014/main" id="{D19C1C14-0988-7992-FF07-13A7AEA504CE}"/>
+                <a16:creationId xmlns:a16="http://schemas.microsoft.com/office/drawing/2014/main" id="{51378550-63B4-09E6-CAEA-EAEAA7AFC4DB}"/>
               </a:ext>
             </a:extLst>
           </p:cNvPr>
@@ -1804,7 +1809,7 @@
           <p:cNvPr id="6" name="Content Placeholder 5">
             <a:extLst>
               <a:ext uri="{FF2B5EF4-FFF2-40B4-BE49-F238E27FC236}">
-                <a16:creationId xmlns:a16="http://schemas.microsoft.com/office/drawing/2014/main" id="{5AC34EB6-5D3F-8C58-5357-29EE7E4F4D1C}"/>
+                <a16:creationId xmlns:a16="http://schemas.microsoft.com/office/drawing/2014/main" id="{3A9C969B-B59F-5012-83EB-9D631F5CEA93}"/>
               </a:ext>
             </a:extLst>
           </p:cNvPr>
@@ -1866,7 +1871,7 @@
           <p:cNvPr id="7" name="Date Placeholder 6">
             <a:extLst>
               <a:ext uri="{FF2B5EF4-FFF2-40B4-BE49-F238E27FC236}">
-                <a16:creationId xmlns:a16="http://schemas.microsoft.com/office/drawing/2014/main" id="{0DBEBD01-9BA1-61DE-CC85-42708C7B8839}"/>
+                <a16:creationId xmlns:a16="http://schemas.microsoft.com/office/drawing/2014/main" id="{33B36B67-C56A-DC95-63E2-66BE9FC41DA9}"/>
               </a:ext>
             </a:extLst>
           </p:cNvPr>
@@ -1882,9 +1887,9 @@
           <a:bodyPr/>
           <a:lstStyle/>
           <a:p>
-            <a:fld id="{A85EE0F3-F092-427D-A36C-2DB87EBD6FA5}" type="datetimeFigureOut">
+            <a:fld id="{BE640076-D87D-45C3-B4ED-8FA5E011B780}" type="datetimeFigureOut">
               <a:rPr lang="en-US" smtClean="0"/>
-              <a:t>2024-04-06</a:t>
+              <a:t>2024-04-12</a:t>
             </a:fld>
             <a:endParaRPr lang="en-US"/>
           </a:p>
@@ -1895,7 +1900,7 @@
           <p:cNvPr id="8" name="Footer Placeholder 7">
             <a:extLst>
               <a:ext uri="{FF2B5EF4-FFF2-40B4-BE49-F238E27FC236}">
-                <a16:creationId xmlns:a16="http://schemas.microsoft.com/office/drawing/2014/main" id="{B53DEE0F-903B-8831-7025-05B566D69F37}"/>
+                <a16:creationId xmlns:a16="http://schemas.microsoft.com/office/drawing/2014/main" id="{C13FB79A-D9FA-543D-D416-652C69BFFF7F}"/>
               </a:ext>
             </a:extLst>
           </p:cNvPr>
@@ -1920,7 +1925,7 @@
           <p:cNvPr id="9" name="Slide Number Placeholder 8">
             <a:extLst>
               <a:ext uri="{FF2B5EF4-FFF2-40B4-BE49-F238E27FC236}">
-                <a16:creationId xmlns:a16="http://schemas.microsoft.com/office/drawing/2014/main" id="{E7E3E08E-3501-3AEC-E880-0B844363B96F}"/>
+                <a16:creationId xmlns:a16="http://schemas.microsoft.com/office/drawing/2014/main" id="{37422782-2853-66F1-B6D9-0FFF3FDF045C}"/>
               </a:ext>
             </a:extLst>
           </p:cNvPr>
@@ -1936,7 +1941,7 @@
           <a:bodyPr/>
           <a:lstStyle/>
           <a:p>
-            <a:fld id="{A830316A-5C6B-4A15-B428-AAA4C74F098B}" type="slidenum">
+            <a:fld id="{9F590A3F-D028-4535-B57E-6D9D8AD4D498}" type="slidenum">
               <a:rPr lang="en-US" smtClean="0"/>
               <a:t>‹#›</a:t>
             </a:fld>
@@ -1947,20 +1952,20 @@
     </p:spTree>
     <p:extLst>
       <p:ext uri="{BB962C8B-B14F-4D97-AF65-F5344CB8AC3E}">
-        <p14:creationId xmlns:p14="http://schemas.microsoft.com/office/powerpoint/2010/main" val="3510083586"/>
+        <p14:creationId xmlns:p14="http://schemas.microsoft.com/office/powerpoint/2010/main" val="626629137"/>
       </p:ext>
     </p:extLst>
   </p:cSld>
   <p:clrMapOvr>
     <a:masterClrMapping/>
   </p:clrMapOvr>
-  <mc:AlternateContent xmlns:mc="http://schemas.openxmlformats.org/markup-compatibility/2006">
-    <mc:Choice xmlns:p14="http://schemas.microsoft.com/office/powerpoint/2010/main" Requires="p14">
+  <mc:AlternateContent xmlns:mc="http://schemas.openxmlformats.org/markup-compatibility/2006" xmlns:p14="http://schemas.microsoft.com/office/powerpoint/2010/main">
+    <mc:Choice Requires="p14">
       <p:transition spd="slow" p14:dur="1500">
         <p:random/>
       </p:transition>
     </mc:Choice>
-    <mc:Fallback>
+    <mc:Fallback xmlns="">
       <p:transition spd="slow">
         <p:random/>
       </p:transition>
@@ -1991,7 +1996,7 @@
           <p:cNvPr id="2" name="Title 1">
             <a:extLst>
               <a:ext uri="{FF2B5EF4-FFF2-40B4-BE49-F238E27FC236}">
-                <a16:creationId xmlns:a16="http://schemas.microsoft.com/office/drawing/2014/main" id="{84623B23-08C1-FFEF-B582-B36EE3BEDE81}"/>
+                <a16:creationId xmlns:a16="http://schemas.microsoft.com/office/drawing/2014/main" id="{F232BB43-DBE0-0638-D322-721D5014044C}"/>
               </a:ext>
             </a:extLst>
           </p:cNvPr>
@@ -2019,7 +2024,7 @@
           <p:cNvPr id="3" name="Date Placeholder 2">
             <a:extLst>
               <a:ext uri="{FF2B5EF4-FFF2-40B4-BE49-F238E27FC236}">
-                <a16:creationId xmlns:a16="http://schemas.microsoft.com/office/drawing/2014/main" id="{F6B50944-1180-ABA1-ED46-C9242BAB3085}"/>
+                <a16:creationId xmlns:a16="http://schemas.microsoft.com/office/drawing/2014/main" id="{F6DEC46F-D6AF-DC84-6C5D-095143562211}"/>
               </a:ext>
             </a:extLst>
           </p:cNvPr>
@@ -2035,9 +2040,9 @@
           <a:bodyPr/>
           <a:lstStyle/>
           <a:p>
-            <a:fld id="{A85EE0F3-F092-427D-A36C-2DB87EBD6FA5}" type="datetimeFigureOut">
+            <a:fld id="{BE640076-D87D-45C3-B4ED-8FA5E011B780}" type="datetimeFigureOut">
               <a:rPr lang="en-US" smtClean="0"/>
-              <a:t>2024-04-06</a:t>
+              <a:t>2024-04-12</a:t>
             </a:fld>
             <a:endParaRPr lang="en-US"/>
           </a:p>
@@ -2048,7 +2053,7 @@
           <p:cNvPr id="4" name="Footer Placeholder 3">
             <a:extLst>
               <a:ext uri="{FF2B5EF4-FFF2-40B4-BE49-F238E27FC236}">
-                <a16:creationId xmlns:a16="http://schemas.microsoft.com/office/drawing/2014/main" id="{01A53BA7-BEEE-1087-6778-4FDC1ADC1830}"/>
+                <a16:creationId xmlns:a16="http://schemas.microsoft.com/office/drawing/2014/main" id="{7A196B54-B6D2-F524-5CDF-796DACBA9A9F}"/>
               </a:ext>
             </a:extLst>
           </p:cNvPr>
@@ -2073,7 +2078,7 @@
           <p:cNvPr id="5" name="Slide Number Placeholder 4">
             <a:extLst>
               <a:ext uri="{FF2B5EF4-FFF2-40B4-BE49-F238E27FC236}">
-                <a16:creationId xmlns:a16="http://schemas.microsoft.com/office/drawing/2014/main" id="{3877AD1A-0FFE-B94F-5914-C2FC4175C274}"/>
+                <a16:creationId xmlns:a16="http://schemas.microsoft.com/office/drawing/2014/main" id="{47024871-31B9-AFA9-0A0E-C0520410E829}"/>
               </a:ext>
             </a:extLst>
           </p:cNvPr>
@@ -2089,7 +2094,7 @@
           <a:bodyPr/>
           <a:lstStyle/>
           <a:p>
-            <a:fld id="{A830316A-5C6B-4A15-B428-AAA4C74F098B}" type="slidenum">
+            <a:fld id="{9F590A3F-D028-4535-B57E-6D9D8AD4D498}" type="slidenum">
               <a:rPr lang="en-US" smtClean="0"/>
               <a:t>‹#›</a:t>
             </a:fld>
@@ -2100,20 +2105,20 @@
     </p:spTree>
     <p:extLst>
       <p:ext uri="{BB962C8B-B14F-4D97-AF65-F5344CB8AC3E}">
-        <p14:creationId xmlns:p14="http://schemas.microsoft.com/office/powerpoint/2010/main" val="614151969"/>
+        <p14:creationId xmlns:p14="http://schemas.microsoft.com/office/powerpoint/2010/main" val="3479865808"/>
       </p:ext>
     </p:extLst>
   </p:cSld>
   <p:clrMapOvr>
     <a:masterClrMapping/>
   </p:clrMapOvr>
-  <mc:AlternateContent xmlns:mc="http://schemas.openxmlformats.org/markup-compatibility/2006">
-    <mc:Choice xmlns:p14="http://schemas.microsoft.com/office/powerpoint/2010/main" Requires="p14">
+  <mc:AlternateContent xmlns:mc="http://schemas.openxmlformats.org/markup-compatibility/2006" xmlns:p14="http://schemas.microsoft.com/office/powerpoint/2010/main">
+    <mc:Choice Requires="p14">
       <p:transition spd="slow" p14:dur="1500">
         <p:random/>
       </p:transition>
     </mc:Choice>
-    <mc:Fallback>
+    <mc:Fallback xmlns="">
       <p:transition spd="slow">
         <p:random/>
       </p:transition>
@@ -2144,7 +2149,7 @@
           <p:cNvPr id="2" name="Date Placeholder 1">
             <a:extLst>
               <a:ext uri="{FF2B5EF4-FFF2-40B4-BE49-F238E27FC236}">
-                <a16:creationId xmlns:a16="http://schemas.microsoft.com/office/drawing/2014/main" id="{77D13E26-CBCD-C519-CF5E-9657AC718E46}"/>
+                <a16:creationId xmlns:a16="http://schemas.microsoft.com/office/drawing/2014/main" id="{2768D114-00B3-A547-78E4-A3220D299E06}"/>
               </a:ext>
             </a:extLst>
           </p:cNvPr>
@@ -2160,9 +2165,9 @@
           <a:bodyPr/>
           <a:lstStyle/>
           <a:p>
-            <a:fld id="{A85EE0F3-F092-427D-A36C-2DB87EBD6FA5}" type="datetimeFigureOut">
+            <a:fld id="{BE640076-D87D-45C3-B4ED-8FA5E011B780}" type="datetimeFigureOut">
               <a:rPr lang="en-US" smtClean="0"/>
-              <a:t>2024-04-06</a:t>
+              <a:t>2024-04-12</a:t>
             </a:fld>
             <a:endParaRPr lang="en-US"/>
           </a:p>
@@ -2173,7 +2178,7 @@
           <p:cNvPr id="3" name="Footer Placeholder 2">
             <a:extLst>
               <a:ext uri="{FF2B5EF4-FFF2-40B4-BE49-F238E27FC236}">
-                <a16:creationId xmlns:a16="http://schemas.microsoft.com/office/drawing/2014/main" id="{8B7CBFF2-5BD8-36A2-577E-D6B64E181546}"/>
+                <a16:creationId xmlns:a16="http://schemas.microsoft.com/office/drawing/2014/main" id="{3D3640F5-85C9-0D11-B993-556E76E48FAC}"/>
               </a:ext>
             </a:extLst>
           </p:cNvPr>
@@ -2198,7 +2203,7 @@
           <p:cNvPr id="4" name="Slide Number Placeholder 3">
             <a:extLst>
               <a:ext uri="{FF2B5EF4-FFF2-40B4-BE49-F238E27FC236}">
-                <a16:creationId xmlns:a16="http://schemas.microsoft.com/office/drawing/2014/main" id="{3D8945BD-804C-DE1F-9542-E90660B0204E}"/>
+                <a16:creationId xmlns:a16="http://schemas.microsoft.com/office/drawing/2014/main" id="{B610FAA1-4C7D-665B-798B-D1C82B308382}"/>
               </a:ext>
             </a:extLst>
           </p:cNvPr>
@@ -2214,7 +2219,7 @@
           <a:bodyPr/>
           <a:lstStyle/>
           <a:p>
-            <a:fld id="{A830316A-5C6B-4A15-B428-AAA4C74F098B}" type="slidenum">
+            <a:fld id="{9F590A3F-D028-4535-B57E-6D9D8AD4D498}" type="slidenum">
               <a:rPr lang="en-US" smtClean="0"/>
               <a:t>‹#›</a:t>
             </a:fld>
@@ -2225,20 +2230,20 @@
     </p:spTree>
     <p:extLst>
       <p:ext uri="{BB962C8B-B14F-4D97-AF65-F5344CB8AC3E}">
-        <p14:creationId xmlns:p14="http://schemas.microsoft.com/office/powerpoint/2010/main" val="2616606226"/>
+        <p14:creationId xmlns:p14="http://schemas.microsoft.com/office/powerpoint/2010/main" val="3700727103"/>
       </p:ext>
     </p:extLst>
   </p:cSld>
   <p:clrMapOvr>
     <a:masterClrMapping/>
   </p:clrMapOvr>
-  <mc:AlternateContent xmlns:mc="http://schemas.openxmlformats.org/markup-compatibility/2006">
-    <mc:Choice xmlns:p14="http://schemas.microsoft.com/office/powerpoint/2010/main" Requires="p14">
+  <mc:AlternateContent xmlns:mc="http://schemas.openxmlformats.org/markup-compatibility/2006" xmlns:p14="http://schemas.microsoft.com/office/powerpoint/2010/main">
+    <mc:Choice Requires="p14">
       <p:transition spd="slow" p14:dur="1500">
         <p:random/>
       </p:transition>
     </mc:Choice>
-    <mc:Fallback>
+    <mc:Fallback xmlns="">
       <p:transition spd="slow">
         <p:random/>
       </p:transition>
@@ -2269,7 +2274,7 @@
           <p:cNvPr id="2" name="Title 1">
             <a:extLst>
               <a:ext uri="{FF2B5EF4-FFF2-40B4-BE49-F238E27FC236}">
-                <a16:creationId xmlns:a16="http://schemas.microsoft.com/office/drawing/2014/main" id="{7EFACE86-FB9B-4A4E-C58A-BD9D6CCA2451}"/>
+                <a16:creationId xmlns:a16="http://schemas.microsoft.com/office/drawing/2014/main" id="{C1B49E6A-9FB6-AC05-88C5-FB64411ED20C}"/>
               </a:ext>
             </a:extLst>
           </p:cNvPr>
@@ -2306,7 +2311,7 @@
           <p:cNvPr id="3" name="Content Placeholder 2">
             <a:extLst>
               <a:ext uri="{FF2B5EF4-FFF2-40B4-BE49-F238E27FC236}">
-                <a16:creationId xmlns:a16="http://schemas.microsoft.com/office/drawing/2014/main" id="{7D4E6112-997C-30EB-C536-E43E9E5731A2}"/>
+                <a16:creationId xmlns:a16="http://schemas.microsoft.com/office/drawing/2014/main" id="{5CC99613-5564-B90B-D6FF-BD4B98111992}"/>
               </a:ext>
             </a:extLst>
           </p:cNvPr>
@@ -2396,7 +2401,7 @@
           <p:cNvPr id="4" name="Text Placeholder 3">
             <a:extLst>
               <a:ext uri="{FF2B5EF4-FFF2-40B4-BE49-F238E27FC236}">
-                <a16:creationId xmlns:a16="http://schemas.microsoft.com/office/drawing/2014/main" id="{9CDF3D9D-1052-1A47-1B13-F2295714523B}"/>
+                <a16:creationId xmlns:a16="http://schemas.microsoft.com/office/drawing/2014/main" id="{A08768FA-343D-29A2-6088-5A7A32ED5D88}"/>
               </a:ext>
             </a:extLst>
           </p:cNvPr>
@@ -2467,7 +2472,7 @@
           <p:cNvPr id="5" name="Date Placeholder 4">
             <a:extLst>
               <a:ext uri="{FF2B5EF4-FFF2-40B4-BE49-F238E27FC236}">
-                <a16:creationId xmlns:a16="http://schemas.microsoft.com/office/drawing/2014/main" id="{1D04F93A-216D-132F-963A-2659A37B4243}"/>
+                <a16:creationId xmlns:a16="http://schemas.microsoft.com/office/drawing/2014/main" id="{6903A088-EEB6-E8C1-B2F7-B0BC5C0C7BE8}"/>
               </a:ext>
             </a:extLst>
           </p:cNvPr>
@@ -2483,9 +2488,9 @@
           <a:bodyPr/>
           <a:lstStyle/>
           <a:p>
-            <a:fld id="{A85EE0F3-F092-427D-A36C-2DB87EBD6FA5}" type="datetimeFigureOut">
+            <a:fld id="{BE640076-D87D-45C3-B4ED-8FA5E011B780}" type="datetimeFigureOut">
               <a:rPr lang="en-US" smtClean="0"/>
-              <a:t>2024-04-06</a:t>
+              <a:t>2024-04-12</a:t>
             </a:fld>
             <a:endParaRPr lang="en-US"/>
           </a:p>
@@ -2496,7 +2501,7 @@
           <p:cNvPr id="6" name="Footer Placeholder 5">
             <a:extLst>
               <a:ext uri="{FF2B5EF4-FFF2-40B4-BE49-F238E27FC236}">
-                <a16:creationId xmlns:a16="http://schemas.microsoft.com/office/drawing/2014/main" id="{E63D2F53-BB66-C36C-1B45-DCB18E0D5E93}"/>
+                <a16:creationId xmlns:a16="http://schemas.microsoft.com/office/drawing/2014/main" id="{C5F13550-C8A9-D6C6-C1DC-AEB7562EA283}"/>
               </a:ext>
             </a:extLst>
           </p:cNvPr>
@@ -2521,7 +2526,7 @@
           <p:cNvPr id="7" name="Slide Number Placeholder 6">
             <a:extLst>
               <a:ext uri="{FF2B5EF4-FFF2-40B4-BE49-F238E27FC236}">
-                <a16:creationId xmlns:a16="http://schemas.microsoft.com/office/drawing/2014/main" id="{C4AAA15D-787B-B42A-5916-B49447FD47BC}"/>
+                <a16:creationId xmlns:a16="http://schemas.microsoft.com/office/drawing/2014/main" id="{15F2E013-46EE-48B7-5D4D-DF58FF03A992}"/>
               </a:ext>
             </a:extLst>
           </p:cNvPr>
@@ -2537,7 +2542,7 @@
           <a:bodyPr/>
           <a:lstStyle/>
           <a:p>
-            <a:fld id="{A830316A-5C6B-4A15-B428-AAA4C74F098B}" type="slidenum">
+            <a:fld id="{9F590A3F-D028-4535-B57E-6D9D8AD4D498}" type="slidenum">
               <a:rPr lang="en-US" smtClean="0"/>
               <a:t>‹#›</a:t>
             </a:fld>
@@ -2548,20 +2553,20 @@
     </p:spTree>
     <p:extLst>
       <p:ext uri="{BB962C8B-B14F-4D97-AF65-F5344CB8AC3E}">
-        <p14:creationId xmlns:p14="http://schemas.microsoft.com/office/powerpoint/2010/main" val="1465286758"/>
+        <p14:creationId xmlns:p14="http://schemas.microsoft.com/office/powerpoint/2010/main" val="556301790"/>
       </p:ext>
     </p:extLst>
   </p:cSld>
   <p:clrMapOvr>
     <a:masterClrMapping/>
   </p:clrMapOvr>
-  <mc:AlternateContent xmlns:mc="http://schemas.openxmlformats.org/markup-compatibility/2006">
-    <mc:Choice xmlns:p14="http://schemas.microsoft.com/office/powerpoint/2010/main" Requires="p14">
+  <mc:AlternateContent xmlns:mc="http://schemas.openxmlformats.org/markup-compatibility/2006" xmlns:p14="http://schemas.microsoft.com/office/powerpoint/2010/main">
+    <mc:Choice Requires="p14">
       <p:transition spd="slow" p14:dur="1500">
         <p:random/>
       </p:transition>
     </mc:Choice>
-    <mc:Fallback>
+    <mc:Fallback xmlns="">
       <p:transition spd="slow">
         <p:random/>
       </p:transition>
@@ -2592,7 +2597,7 @@
           <p:cNvPr id="2" name="Title 1">
             <a:extLst>
               <a:ext uri="{FF2B5EF4-FFF2-40B4-BE49-F238E27FC236}">
-                <a16:creationId xmlns:a16="http://schemas.microsoft.com/office/drawing/2014/main" id="{B6CC93ED-4C41-201B-BEAB-DB2FE50BBBD4}"/>
+                <a16:creationId xmlns:a16="http://schemas.microsoft.com/office/drawing/2014/main" id="{D8F06F93-9909-CD25-85BA-9F7882AC997D}"/>
               </a:ext>
             </a:extLst>
           </p:cNvPr>
@@ -2629,7 +2634,7 @@
           <p:cNvPr id="3" name="Picture Placeholder 2">
             <a:extLst>
               <a:ext uri="{FF2B5EF4-FFF2-40B4-BE49-F238E27FC236}">
-                <a16:creationId xmlns:a16="http://schemas.microsoft.com/office/drawing/2014/main" id="{404BC8DC-9CEB-6A5A-DCED-567F347A5490}"/>
+                <a16:creationId xmlns:a16="http://schemas.microsoft.com/office/drawing/2014/main" id="{7B8DA3E3-B340-C9E6-A548-F65C06EBE8AF}"/>
               </a:ext>
             </a:extLst>
           </p:cNvPr>
@@ -2696,7 +2701,7 @@
           <p:cNvPr id="4" name="Text Placeholder 3">
             <a:extLst>
               <a:ext uri="{FF2B5EF4-FFF2-40B4-BE49-F238E27FC236}">
-                <a16:creationId xmlns:a16="http://schemas.microsoft.com/office/drawing/2014/main" id="{474252A1-5863-E785-8F96-4138152F115E}"/>
+                <a16:creationId xmlns:a16="http://schemas.microsoft.com/office/drawing/2014/main" id="{F043CE76-13CC-EC50-ED8B-9CA46EBC8ED5}"/>
               </a:ext>
             </a:extLst>
           </p:cNvPr>
@@ -2767,7 +2772,7 @@
           <p:cNvPr id="5" name="Date Placeholder 4">
             <a:extLst>
               <a:ext uri="{FF2B5EF4-FFF2-40B4-BE49-F238E27FC236}">
-                <a16:creationId xmlns:a16="http://schemas.microsoft.com/office/drawing/2014/main" id="{F6605F22-A0AA-9BDF-6EAE-32FF53E503DB}"/>
+                <a16:creationId xmlns:a16="http://schemas.microsoft.com/office/drawing/2014/main" id="{88F4D392-13B2-C662-AC8C-2D35EA5B6526}"/>
               </a:ext>
             </a:extLst>
           </p:cNvPr>
@@ -2783,9 +2788,9 @@
           <a:bodyPr/>
           <a:lstStyle/>
           <a:p>
-            <a:fld id="{A85EE0F3-F092-427D-A36C-2DB87EBD6FA5}" type="datetimeFigureOut">
+            <a:fld id="{BE640076-D87D-45C3-B4ED-8FA5E011B780}" type="datetimeFigureOut">
               <a:rPr lang="en-US" smtClean="0"/>
-              <a:t>2024-04-06</a:t>
+              <a:t>2024-04-12</a:t>
             </a:fld>
             <a:endParaRPr lang="en-US"/>
           </a:p>
@@ -2796,7 +2801,7 @@
           <p:cNvPr id="6" name="Footer Placeholder 5">
             <a:extLst>
               <a:ext uri="{FF2B5EF4-FFF2-40B4-BE49-F238E27FC236}">
-                <a16:creationId xmlns:a16="http://schemas.microsoft.com/office/drawing/2014/main" id="{24CCCBD0-FBBD-469B-3637-DF7EFE037BC4}"/>
+                <a16:creationId xmlns:a16="http://schemas.microsoft.com/office/drawing/2014/main" id="{FC363536-CBE8-3390-2C98-A74696ED83FC}"/>
               </a:ext>
             </a:extLst>
           </p:cNvPr>
@@ -2821,7 +2826,7 @@
           <p:cNvPr id="7" name="Slide Number Placeholder 6">
             <a:extLst>
               <a:ext uri="{FF2B5EF4-FFF2-40B4-BE49-F238E27FC236}">
-                <a16:creationId xmlns:a16="http://schemas.microsoft.com/office/drawing/2014/main" id="{BC3854E4-88B6-A7E0-D944-DB785B4009A6}"/>
+                <a16:creationId xmlns:a16="http://schemas.microsoft.com/office/drawing/2014/main" id="{32CC6E10-890C-E3EB-C0D2-872A05AE1D30}"/>
               </a:ext>
             </a:extLst>
           </p:cNvPr>
@@ -2837,7 +2842,7 @@
           <a:bodyPr/>
           <a:lstStyle/>
           <a:p>
-            <a:fld id="{A830316A-5C6B-4A15-B428-AAA4C74F098B}" type="slidenum">
+            <a:fld id="{9F590A3F-D028-4535-B57E-6D9D8AD4D498}" type="slidenum">
               <a:rPr lang="en-US" smtClean="0"/>
               <a:t>‹#›</a:t>
             </a:fld>
@@ -2848,20 +2853,20 @@
     </p:spTree>
     <p:extLst>
       <p:ext uri="{BB962C8B-B14F-4D97-AF65-F5344CB8AC3E}">
-        <p14:creationId xmlns:p14="http://schemas.microsoft.com/office/powerpoint/2010/main" val="768597225"/>
+        <p14:creationId xmlns:p14="http://schemas.microsoft.com/office/powerpoint/2010/main" val="2028893811"/>
       </p:ext>
     </p:extLst>
   </p:cSld>
   <p:clrMapOvr>
     <a:masterClrMapping/>
   </p:clrMapOvr>
-  <mc:AlternateContent xmlns:mc="http://schemas.openxmlformats.org/markup-compatibility/2006">
-    <mc:Choice xmlns:p14="http://schemas.microsoft.com/office/powerpoint/2010/main" Requires="p14">
+  <mc:AlternateContent xmlns:mc="http://schemas.openxmlformats.org/markup-compatibility/2006" xmlns:p14="http://schemas.microsoft.com/office/powerpoint/2010/main">
+    <mc:Choice Requires="p14">
       <p:transition spd="slow" p14:dur="1500">
         <p:random/>
       </p:transition>
     </mc:Choice>
-    <mc:Fallback>
+    <mc:Fallback xmlns="">
       <p:transition spd="slow">
         <p:random/>
       </p:transition>
@@ -2897,7 +2902,7 @@
           <p:cNvPr id="2" name="Title Placeholder 1">
             <a:extLst>
               <a:ext uri="{FF2B5EF4-FFF2-40B4-BE49-F238E27FC236}">
-                <a16:creationId xmlns:a16="http://schemas.microsoft.com/office/drawing/2014/main" id="{EAEB2C60-3289-67BB-6F4B-D632BCDE39AD}"/>
+                <a16:creationId xmlns:a16="http://schemas.microsoft.com/office/drawing/2014/main" id="{8CBFAAC4-46BA-B534-A352-BDAEE1F7ED3A}"/>
               </a:ext>
             </a:extLst>
           </p:cNvPr>
@@ -2935,7 +2940,7 @@
           <p:cNvPr id="3" name="Text Placeholder 2">
             <a:extLst>
               <a:ext uri="{FF2B5EF4-FFF2-40B4-BE49-F238E27FC236}">
-                <a16:creationId xmlns:a16="http://schemas.microsoft.com/office/drawing/2014/main" id="{90375F35-6233-71C6-AC72-F25762851DD6}"/>
+                <a16:creationId xmlns:a16="http://schemas.microsoft.com/office/drawing/2014/main" id="{8D90B209-580F-FC2F-6F00-F3F38E226D91}"/>
               </a:ext>
             </a:extLst>
           </p:cNvPr>
@@ -3002,7 +3007,7 @@
           <p:cNvPr id="4" name="Date Placeholder 3">
             <a:extLst>
               <a:ext uri="{FF2B5EF4-FFF2-40B4-BE49-F238E27FC236}">
-                <a16:creationId xmlns:a16="http://schemas.microsoft.com/office/drawing/2014/main" id="{6F2CB5E5-B8AA-74DB-D4E0-99078AAC06ED}"/>
+                <a16:creationId xmlns:a16="http://schemas.microsoft.com/office/drawing/2014/main" id="{6384F1F1-1C59-4B06-C1AB-BEED405378B5}"/>
               </a:ext>
             </a:extLst>
           </p:cNvPr>
@@ -3029,16 +3034,16 @@
               <a:defRPr sz="1200">
                 <a:solidFill>
                   <a:schemeClr val="tx1">
-                    <a:tint val="82000"/>
+                    <a:tint val="75000"/>
                   </a:schemeClr>
                 </a:solidFill>
               </a:defRPr>
             </a:lvl1pPr>
           </a:lstStyle>
           <a:p>
-            <a:fld id="{A85EE0F3-F092-427D-A36C-2DB87EBD6FA5}" type="datetimeFigureOut">
+            <a:fld id="{BE640076-D87D-45C3-B4ED-8FA5E011B780}" type="datetimeFigureOut">
               <a:rPr lang="en-US" smtClean="0"/>
-              <a:t>2024-04-06</a:t>
+              <a:t>2024-04-12</a:t>
             </a:fld>
             <a:endParaRPr lang="en-US"/>
           </a:p>
@@ -3049,7 +3054,7 @@
           <p:cNvPr id="5" name="Footer Placeholder 4">
             <a:extLst>
               <a:ext uri="{FF2B5EF4-FFF2-40B4-BE49-F238E27FC236}">
-                <a16:creationId xmlns:a16="http://schemas.microsoft.com/office/drawing/2014/main" id="{FF1AEB45-7324-CDE8-A9ED-F898945C79D1}"/>
+                <a16:creationId xmlns:a16="http://schemas.microsoft.com/office/drawing/2014/main" id="{465D63F5-E122-B032-3047-66DE59D2E8B0}"/>
               </a:ext>
             </a:extLst>
           </p:cNvPr>
@@ -3076,7 +3081,7 @@
               <a:defRPr sz="1200">
                 <a:solidFill>
                   <a:schemeClr val="tx1">
-                    <a:tint val="82000"/>
+                    <a:tint val="75000"/>
                   </a:schemeClr>
                 </a:solidFill>
               </a:defRPr>
@@ -3092,7 +3097,7 @@
           <p:cNvPr id="6" name="Slide Number Placeholder 5">
             <a:extLst>
               <a:ext uri="{FF2B5EF4-FFF2-40B4-BE49-F238E27FC236}">
-                <a16:creationId xmlns:a16="http://schemas.microsoft.com/office/drawing/2014/main" id="{F32CFA81-A3EA-1E8A-3A18-D6C7BB4F4964}"/>
+                <a16:creationId xmlns:a16="http://schemas.microsoft.com/office/drawing/2014/main" id="{3988AD0C-9CF0-B17F-52D2-8980E57992BE}"/>
               </a:ext>
             </a:extLst>
           </p:cNvPr>
@@ -3119,14 +3124,14 @@
               <a:defRPr sz="1200">
                 <a:solidFill>
                   <a:schemeClr val="tx1">
-                    <a:tint val="82000"/>
+                    <a:tint val="75000"/>
                   </a:schemeClr>
                 </a:solidFill>
               </a:defRPr>
             </a:lvl1pPr>
           </a:lstStyle>
           <a:p>
-            <a:fld id="{A830316A-5C6B-4A15-B428-AAA4C74F098B}" type="slidenum">
+            <a:fld id="{9F590A3F-D028-4535-B57E-6D9D8AD4D498}" type="slidenum">
               <a:rPr lang="en-US" smtClean="0"/>
               <a:t>‹#›</a:t>
             </a:fld>
@@ -3137,7 +3142,7 @@
     </p:spTree>
     <p:extLst>
       <p:ext uri="{BB962C8B-B14F-4D97-AF65-F5344CB8AC3E}">
-        <p14:creationId xmlns:p14="http://schemas.microsoft.com/office/powerpoint/2010/main" val="4120304111"/>
+        <p14:creationId xmlns:p14="http://schemas.microsoft.com/office/powerpoint/2010/main" val="1032088247"/>
       </p:ext>
     </p:extLst>
   </p:cSld>
@@ -3155,13 +3160,13 @@
     <p:sldLayoutId id="2147483658" r:id="rId10"/>
     <p:sldLayoutId id="2147483659" r:id="rId11"/>
   </p:sldLayoutIdLst>
-  <mc:AlternateContent xmlns:mc="http://schemas.openxmlformats.org/markup-compatibility/2006">
-    <mc:Choice xmlns:p14="http://schemas.microsoft.com/office/powerpoint/2010/main" Requires="p14">
+  <mc:AlternateContent xmlns:mc="http://schemas.openxmlformats.org/markup-compatibility/2006" xmlns:p14="http://schemas.microsoft.com/office/powerpoint/2010/main">
+    <mc:Choice Requires="p14">
       <p:transition spd="slow" p14:dur="1500">
         <p:random/>
       </p:transition>
     </mc:Choice>
-    <mc:Fallback>
+    <mc:Fallback xmlns="">
       <p:transition spd="slow">
         <p:random/>
       </p:transition>
@@ -3472,7 +3477,7 @@
           <p:cNvPr id="2" name="Title 1">
             <a:extLst>
               <a:ext uri="{FF2B5EF4-FFF2-40B4-BE49-F238E27FC236}">
-                <a16:creationId xmlns:a16="http://schemas.microsoft.com/office/drawing/2014/main" id="{39D5A2B1-B55C-79C2-8670-54F002108BEE}"/>
+                <a16:creationId xmlns:a16="http://schemas.microsoft.com/office/drawing/2014/main" id="{490A7A52-8C8F-1392-262F-D5C198FB4ABC}"/>
               </a:ext>
             </a:extLst>
           </p:cNvPr>
@@ -3485,19 +3490,17 @@
         </p:nvSpPr>
         <p:spPr>
           <a:xfrm>
-            <a:off x="1040860" y="1122363"/>
-            <a:ext cx="9873574" cy="2387600"/>
+            <a:off x="1186774" y="1122363"/>
+            <a:ext cx="9795754" cy="2387600"/>
           </a:xfrm>
         </p:spPr>
         <p:txBody>
-          <a:bodyPr>
-            <a:normAutofit/>
-          </a:bodyPr>
+          <a:bodyPr/>
           <a:lstStyle/>
           <a:p>
             <a:r>
               <a:rPr lang="en-US" dirty="0"/>
-              <a:t>authorization vs authentication</a:t>
+              <a:t>what is the meaning of (CRUD)</a:t>
             </a:r>
           </a:p>
         </p:txBody>
@@ -3505,20 +3508,20 @@
     </p:spTree>
     <p:extLst>
       <p:ext uri="{BB962C8B-B14F-4D97-AF65-F5344CB8AC3E}">
-        <p14:creationId xmlns:p14="http://schemas.microsoft.com/office/powerpoint/2010/main" val="1787204582"/>
+        <p14:creationId xmlns:p14="http://schemas.microsoft.com/office/powerpoint/2010/main" val="1772837329"/>
       </p:ext>
     </p:extLst>
   </p:cSld>
   <p:clrMapOvr>
     <a:masterClrMapping/>
   </p:clrMapOvr>
-  <mc:AlternateContent xmlns:mc="http://schemas.openxmlformats.org/markup-compatibility/2006">
-    <mc:Choice xmlns:p14="http://schemas.microsoft.com/office/powerpoint/2010/main" Requires="p14">
+  <mc:AlternateContent xmlns:mc="http://schemas.openxmlformats.org/markup-compatibility/2006" xmlns:p14="http://schemas.microsoft.com/office/powerpoint/2010/main">
+    <mc:Choice Requires="p14">
       <p:transition spd="slow" p14:dur="1500">
         <p:random/>
       </p:transition>
     </mc:Choice>
-    <mc:Fallback>
+    <mc:Fallback xmlns="">
       <p:transition spd="slow">
         <p:random/>
       </p:transition>
@@ -3546,92 +3549,43 @@
       </p:grpSpPr>
       <p:sp>
         <p:nvSpPr>
-          <p:cNvPr id="4" name="Text Placeholder 3">
-            <a:extLst>
-              <a:ext uri="{FF2B5EF4-FFF2-40B4-BE49-F238E27FC236}">
-                <a16:creationId xmlns:a16="http://schemas.microsoft.com/office/drawing/2014/main" id="{19EA41DC-0F90-D6DF-57AC-870A858287CF}"/>
-              </a:ext>
-            </a:extLst>
-          </p:cNvPr>
-          <p:cNvSpPr>
-            <a:spLocks noGrp="1"/>
-          </p:cNvSpPr>
-          <p:nvPr>
-            <p:ph type="body" idx="1"/>
-          </p:nvPr>
-        </p:nvSpPr>
-        <p:spPr>
-          <a:xfrm>
-            <a:off x="938213" y="256381"/>
-            <a:ext cx="5157787" cy="823912"/>
-          </a:xfrm>
-        </p:spPr>
-        <p:txBody>
-          <a:bodyPr/>
-          <a:lstStyle/>
-          <a:p>
+          <p:cNvPr id="2" name="Title 1">
+            <a:extLst>
+              <a:ext uri="{FF2B5EF4-FFF2-40B4-BE49-F238E27FC236}">
+                <a16:creationId xmlns:a16="http://schemas.microsoft.com/office/drawing/2014/main" id="{FA833CA7-D3D2-3D50-3BB8-ACD8B97A3AF1}"/>
+              </a:ext>
+            </a:extLst>
+          </p:cNvPr>
+          <p:cNvSpPr>
+            <a:spLocks noGrp="1"/>
+          </p:cNvSpPr>
+          <p:nvPr>
+            <p:ph type="title"/>
+          </p:nvPr>
+        </p:nvSpPr>
+        <p:spPr/>
+        <p:txBody>
+          <a:bodyPr>
+            <a:normAutofit fontScale="90000"/>
+          </a:bodyPr>
+          <a:lstStyle/>
+          <a:p>
+            <a:pPr algn="r" rtl="1"/>
+            <a:r>
+              <a:rPr lang="ar-EG" dirty="0"/>
+              <a:t>كلمة </a:t>
+            </a:r>
             <a:r>
               <a:rPr lang="en-US" dirty="0"/>
-              <a:t>authentication</a:t>
-            </a:r>
-          </a:p>
-        </p:txBody>
-      </p:sp>
-      <p:sp>
-        <p:nvSpPr>
-          <p:cNvPr id="5" name="Content Placeholder 4">
-            <a:extLst>
-              <a:ext uri="{FF2B5EF4-FFF2-40B4-BE49-F238E27FC236}">
-                <a16:creationId xmlns:a16="http://schemas.microsoft.com/office/drawing/2014/main" id="{4DC6DEBE-4574-62C4-81D3-2EB59F9D861C}"/>
-              </a:ext>
-            </a:extLst>
-          </p:cNvPr>
-          <p:cNvSpPr>
-            <a:spLocks noGrp="1"/>
-          </p:cNvSpPr>
-          <p:nvPr>
-            <p:ph sz="half" idx="2"/>
-          </p:nvPr>
-        </p:nvSpPr>
-        <p:spPr>
-          <a:xfrm>
-            <a:off x="651754" y="1080293"/>
-            <a:ext cx="5345822" cy="5109370"/>
-          </a:xfrm>
-        </p:spPr>
-        <p:txBody>
-          <a:bodyPr>
-            <a:normAutofit fontScale="85000" lnSpcReduction="20000"/>
-          </a:bodyPr>
-          <a:lstStyle/>
-          <a:p>
-            <a:pPr algn="r" rtl="1"/>
+              <a:t>CRUD</a:t>
+            </a:r>
+            <a:r>
+              <a:rPr lang="ar-EG" dirty="0"/>
+              <a:t> بحثنا عنها قبل كدا واختصارا يعني جبت البحث </a:t>
+            </a:r>
             <a:r>
               <a:rPr lang="ar-EG" dirty="0" err="1"/>
-              <a:t>بإختصار</a:t>
-            </a:r>
-            <a:r>
-              <a:rPr lang="ar-EG" dirty="0"/>
-              <a:t> أكني بقول للمستخدم انت مين ففيه انا بتحقق من المستخدم دا إذا كان من ضمن السيستم </a:t>
-            </a:r>
-            <a:r>
-              <a:rPr lang="ar-EG" dirty="0" err="1"/>
-              <a:t>بتاعي</a:t>
-            </a:r>
-            <a:r>
-              <a:rPr lang="ar-EG" dirty="0"/>
-              <a:t> او لا </a:t>
-            </a:r>
-          </a:p>
-          <a:p>
-            <a:pPr algn="r" rtl="1"/>
-            <a:r>
-              <a:rPr lang="ar-EG" dirty="0"/>
-              <a:t>في </a:t>
-            </a:r>
-            <a:r>
-              <a:rPr lang="ar-EG" dirty="0" err="1"/>
-              <a:t>العاده</a:t>
+              <a:t>بتاعها</a:t>
             </a:r>
             <a:r>
               <a:rPr lang="ar-EG" dirty="0"/>
@@ -3639,27 +3593,15 @@
             </a:r>
             <a:r>
               <a:rPr lang="ar-EG" dirty="0" err="1"/>
-              <a:t>بتحصل</a:t>
+              <a:t>الصراحه</a:t>
             </a:r>
             <a:r>
               <a:rPr lang="ar-EG" dirty="0"/>
-              <a:t> قبل عملية </a:t>
-            </a:r>
-            <a:r>
-              <a:rPr lang="en-US" sz="2000" dirty="0"/>
-              <a:t>authorization</a:t>
-            </a:r>
-            <a:endParaRPr lang="ar-EG" sz="2000" dirty="0"/>
-          </a:p>
-          <a:p>
-            <a:pPr algn="r" rtl="1"/>
-            <a:r>
-              <a:rPr lang="ar-EG" dirty="0"/>
-              <a:t>في </a:t>
+              <a:t> مع </a:t>
             </a:r>
             <a:r>
               <a:rPr lang="ar-EG" dirty="0" err="1"/>
-              <a:t>العاده</a:t>
+              <a:t>الملفاات</a:t>
             </a:r>
             <a:r>
               <a:rPr lang="ar-EG" dirty="0"/>
@@ -3667,324 +3609,236 @@
             </a:r>
             <a:r>
               <a:rPr lang="ar-EG" dirty="0" err="1"/>
-              <a:t>بحتاج</a:t>
+              <a:t>لانه</a:t>
             </a:r>
             <a:r>
               <a:rPr lang="ar-EG" dirty="0"/>
-              <a:t> فيها معلومات تسجيل الدخول </a:t>
+              <a:t> مصطلح ثابت وخصوصا في تعاملنا مع الملفات او الداتا بيس </a:t>
             </a:r>
             <a:r>
               <a:rPr lang="ar-EG" dirty="0" err="1"/>
-              <a:t>الخاصه</a:t>
+              <a:t>بنستخدمه</a:t>
             </a:r>
             <a:r>
               <a:rPr lang="ar-EG" dirty="0"/>
-              <a:t> بالمستخدم علشان اتحقق منه</a:t>
-            </a:r>
-          </a:p>
-          <a:p>
-            <a:pPr algn="r" rtl="1"/>
+              <a:t> بشكل دائم في المشاريع </a:t>
+            </a:r>
+            <a:r>
+              <a:rPr lang="ar-EG" dirty="0" err="1"/>
+              <a:t>بتاعتنا</a:t>
+            </a:r>
             <a:r>
               <a:rPr lang="ar-EG" dirty="0"/>
-              <a:t>ممكن اغير في المعلومات </a:t>
-            </a:r>
-            <a:r>
-              <a:rPr lang="ar-EG" dirty="0" err="1"/>
-              <a:t>الخاصه</a:t>
+              <a:t> وعموما دا شرحها مع الملفات</a:t>
+            </a:r>
+            <a:endParaRPr lang="en-US" dirty="0"/>
+          </a:p>
+        </p:txBody>
+      </p:sp>
+      <p:sp>
+        <p:nvSpPr>
+          <p:cNvPr id="3" name="Content Placeholder 2">
+            <a:extLst>
+              <a:ext uri="{FF2B5EF4-FFF2-40B4-BE49-F238E27FC236}">
+                <a16:creationId xmlns:a16="http://schemas.microsoft.com/office/drawing/2014/main" id="{3F423BA7-73DC-5EC8-51FB-BDF354E027E5}"/>
+              </a:ext>
+            </a:extLst>
+          </p:cNvPr>
+          <p:cNvSpPr>
+            <a:spLocks noGrp="1"/>
+          </p:cNvSpPr>
+          <p:nvPr>
+            <p:ph idx="1"/>
+          </p:nvPr>
+        </p:nvSpPr>
+        <p:spPr/>
+        <p:txBody>
+          <a:bodyPr>
+            <a:normAutofit fontScale="92500" lnSpcReduction="20000"/>
+          </a:bodyPr>
+          <a:lstStyle/>
+          <a:p>
+            <a:pPr algn="l"/>
+            <a:r>
+              <a:rPr lang="en-US" dirty="0"/>
+              <a:t>C = Create</a:t>
             </a:r>
             <a:r>
               <a:rPr lang="ar-EG" dirty="0"/>
               <a:t> </a:t>
             </a:r>
+          </a:p>
+          <a:p>
+            <a:pPr algn="r" rtl="1"/>
+            <a:r>
+              <a:rPr lang="ar-EG" dirty="0"/>
+              <a:t>وهي لو </a:t>
+            </a:r>
             <a:r>
               <a:rPr lang="ar-EG" dirty="0" err="1"/>
-              <a:t>بيا</a:t>
+              <a:t>هنستخدمها</a:t>
             </a:r>
             <a:r>
               <a:rPr lang="ar-EG" dirty="0"/>
-              <a:t> كمستخدم عادي او اطلب تغييرها عموما</a:t>
-            </a:r>
+              <a:t> مع الملفات فيعني ازاي انشأ ملف او مجلد جديد ودا ممكن نعمله عن طريق استخدام </a:t>
+            </a:r>
+            <a:r>
+              <a:rPr lang="en-US" dirty="0" err="1"/>
+              <a:t>mk_dir</a:t>
+            </a:r>
+            <a:r>
+              <a:rPr lang="en-US" dirty="0"/>
+              <a:t>()    ||    </a:t>
+            </a:r>
+            <a:r>
+              <a:rPr lang="en-US" dirty="0" err="1"/>
+              <a:t>fopen</a:t>
+            </a:r>
+            <a:r>
+              <a:rPr lang="en-US" dirty="0"/>
+              <a:t>()</a:t>
+            </a:r>
+            <a:endParaRPr lang="ar-EG" dirty="0"/>
+          </a:p>
+          <a:p>
+            <a:pPr algn="l"/>
+            <a:r>
+              <a:rPr lang="en-US" dirty="0"/>
+              <a:t>R = Read</a:t>
+            </a:r>
+            <a:endParaRPr lang="ar-EG" dirty="0"/>
           </a:p>
           <a:p>
             <a:pPr algn="r" rtl="1"/>
             <a:r>
               <a:rPr lang="ar-EG" dirty="0"/>
-              <a:t>ممكن اشوف </a:t>
+              <a:t>ودي لما استخدمها مع الملفات استخدمها لقراءة الملفات ودا ممكن نعمله عن طريق استخدام </a:t>
+            </a:r>
+            <a:r>
+              <a:rPr lang="en-US" sz="2800" dirty="0">
+                <a:latin typeface="+mn-lt"/>
+                <a:ea typeface="+mn-ea"/>
+                <a:cs typeface="+mn-cs"/>
+              </a:rPr>
+              <a:t>file()</a:t>
+            </a:r>
+          </a:p>
+          <a:p>
+            <a:pPr algn="l"/>
+            <a:r>
+              <a:rPr lang="en-US" dirty="0"/>
+              <a:t>U = Update</a:t>
+            </a:r>
+          </a:p>
+          <a:p>
+            <a:pPr algn="r" rtl="1"/>
+            <a:r>
+              <a:rPr lang="ar-EG" dirty="0"/>
+              <a:t>ودي لما استخدمها مع الملفات استخدمها علشان اعمل ابديت في الملف سواء </a:t>
             </a:r>
             <a:r>
               <a:rPr lang="ar-EG" dirty="0" err="1"/>
-              <a:t>العمليه</a:t>
+              <a:t>همسح</a:t>
             </a:r>
             <a:r>
               <a:rPr lang="ar-EG" dirty="0"/>
-              <a:t> دي بحيث اقدر اطلع على المعلومات </a:t>
+              <a:t> اللي فيها </a:t>
             </a:r>
             <a:r>
               <a:rPr lang="ar-EG" dirty="0" err="1"/>
-              <a:t>بتاعتي</a:t>
+              <a:t>وهضيف</a:t>
+            </a:r>
+            <a:r>
+              <a:rPr lang="ar-EG" dirty="0"/>
+              <a:t> كلام جديد او </a:t>
+            </a:r>
+            <a:r>
+              <a:rPr lang="ar-EG" dirty="0" err="1"/>
+              <a:t>هضيف</a:t>
+            </a:r>
+            <a:r>
+              <a:rPr lang="ar-EG" dirty="0"/>
+              <a:t> على الداتا اللي موجوده داتا </a:t>
+            </a:r>
+            <a:r>
+              <a:rPr lang="ar-EG" dirty="0" err="1"/>
+              <a:t>تانيه</a:t>
+            </a:r>
+            <a:r>
+              <a:rPr lang="ar-EG" dirty="0"/>
+              <a:t> ودا ممكن نعمله عن طريق </a:t>
+            </a:r>
+            <a:r>
+              <a:rPr lang="en-US" sz="2800" dirty="0" err="1">
+                <a:latin typeface="+mn-lt"/>
+                <a:ea typeface="+mn-ea"/>
+                <a:cs typeface="+mn-cs"/>
+              </a:rPr>
+              <a:t>file_put_contents</a:t>
+            </a:r>
+            <a:r>
+              <a:rPr lang="en-US" sz="2800" dirty="0">
+                <a:latin typeface="+mn-lt"/>
+                <a:ea typeface="+mn-ea"/>
+                <a:cs typeface="+mn-cs"/>
+              </a:rPr>
+              <a:t>()    ||   </a:t>
+            </a:r>
+            <a:r>
+              <a:rPr lang="en-US" dirty="0"/>
+              <a:t> </a:t>
+            </a:r>
+            <a:r>
+              <a:rPr lang="en-US" dirty="0" err="1"/>
+              <a:t>fopen</a:t>
+            </a:r>
+            <a:r>
+              <a:rPr lang="en-US" dirty="0"/>
+              <a:t>()</a:t>
             </a:r>
             <a:endParaRPr lang="ar-EG" dirty="0"/>
           </a:p>
           <a:p>
+            <a:pPr algn="l"/>
+            <a:r>
+              <a:rPr lang="en-US" dirty="0"/>
+              <a:t>D = Delete</a:t>
+            </a:r>
+          </a:p>
+          <a:p>
             <a:pPr algn="r" rtl="1"/>
             <a:r>
-              <a:rPr lang="ar-EG" b="1" dirty="0" err="1"/>
-              <a:t>نيجي</a:t>
-            </a:r>
-            <a:r>
-              <a:rPr lang="ar-EG" b="1" dirty="0"/>
-              <a:t> للمثال بقاا:</a:t>
-            </a:r>
-            <a:br>
               <a:rPr lang="ar-EG" dirty="0"/>
-            </a:br>
+              <a:t>ودي لما استخدمها مع الملفات استخدمها علشان امسح ملف او </a:t>
+            </a:r>
+            <a:r>
+              <a:rPr lang="ar-EG" dirty="0" err="1"/>
+              <a:t>دايركتوري</a:t>
+            </a:r>
             <a:r>
               <a:rPr lang="ar-EG" dirty="0"/>
-              <a:t>بطلب من الموظفين مثلا انهم يعملوا تسجيل دخول فبالتالي يحصل عملية </a:t>
-            </a:r>
-            <a:r>
-              <a:rPr lang="ar-EG" dirty="0" err="1"/>
-              <a:t>المصادقه</a:t>
-            </a:r>
-            <a:r>
-              <a:rPr lang="ar-EG" dirty="0"/>
-              <a:t> </a:t>
-            </a:r>
-            <a:r>
-              <a:rPr lang="ar-EG" dirty="0" err="1"/>
-              <a:t>بتاعتنا</a:t>
-            </a:r>
-            <a:r>
-              <a:rPr lang="ar-EG" dirty="0"/>
-              <a:t> لو المعلومات اللي داخلها صحيحه من اسم المستخدم لكلمة المرور مثلا او بصمة الصباع وهكذا</a:t>
-            </a:r>
-          </a:p>
-        </p:txBody>
-      </p:sp>
-      <p:sp>
-        <p:nvSpPr>
-          <p:cNvPr id="6" name="Text Placeholder 5">
-            <a:extLst>
-              <a:ext uri="{FF2B5EF4-FFF2-40B4-BE49-F238E27FC236}">
-                <a16:creationId xmlns:a16="http://schemas.microsoft.com/office/drawing/2014/main" id="{3D6B2A99-2F87-D653-D7B8-015E9C97A61B}"/>
-              </a:ext>
-            </a:extLst>
-          </p:cNvPr>
-          <p:cNvSpPr>
-            <a:spLocks noGrp="1"/>
-          </p:cNvSpPr>
-          <p:nvPr>
-            <p:ph type="body" sz="quarter" idx="3"/>
-          </p:nvPr>
-        </p:nvSpPr>
-        <p:spPr>
-          <a:xfrm>
-            <a:off x="6070599" y="256381"/>
-            <a:ext cx="5183188" cy="823912"/>
-          </a:xfrm>
-        </p:spPr>
-        <p:txBody>
-          <a:bodyPr/>
-          <a:lstStyle/>
-          <a:p>
+              <a:t> من عندي ودا ممكن استخدمه عن طريق </a:t>
+            </a:r>
+            <a:r>
+              <a:rPr lang="en-US" dirty="0" err="1"/>
+              <a:t>rmdir</a:t>
+            </a:r>
             <a:r>
               <a:rPr lang="en-US" dirty="0"/>
-              <a:t>authorization</a:t>
-            </a:r>
-          </a:p>
-        </p:txBody>
-      </p:sp>
-      <p:sp>
-        <p:nvSpPr>
-          <p:cNvPr id="7" name="Content Placeholder 6">
-            <a:extLst>
-              <a:ext uri="{FF2B5EF4-FFF2-40B4-BE49-F238E27FC236}">
-                <a16:creationId xmlns:a16="http://schemas.microsoft.com/office/drawing/2014/main" id="{1531BFE0-A5AF-C638-E4EA-90AAFB8A1AAE}"/>
-              </a:ext>
-            </a:extLst>
-          </p:cNvPr>
-          <p:cNvSpPr>
-            <a:spLocks noGrp="1"/>
-          </p:cNvSpPr>
-          <p:nvPr>
-            <p:ph sz="quarter" idx="4"/>
-          </p:nvPr>
-        </p:nvSpPr>
-        <p:spPr>
-          <a:xfrm>
-            <a:off x="6172200" y="1080294"/>
-            <a:ext cx="5183188" cy="5109370"/>
-          </a:xfrm>
-        </p:spPr>
-        <p:txBody>
-          <a:bodyPr>
-            <a:normAutofit fontScale="85000" lnSpcReduction="20000"/>
-          </a:bodyPr>
-          <a:lstStyle/>
-          <a:p>
-            <a:pPr algn="r" rtl="1"/>
-            <a:r>
-              <a:rPr lang="ar-EG" dirty="0" err="1"/>
-              <a:t>بإختصار</a:t>
-            </a:r>
-            <a:r>
-              <a:rPr lang="ar-EG" dirty="0"/>
-              <a:t> فيه أكني بقول للمستخدم ايه هي الصلاحيات اللي عندك في السيستم دا يعني ليك مثلا تدخل على صفحه </a:t>
-            </a:r>
-            <a:r>
-              <a:rPr lang="ar-EG" dirty="0" err="1"/>
-              <a:t>الفلانيه</a:t>
-            </a:r>
-            <a:r>
-              <a:rPr lang="ar-EG" dirty="0"/>
-              <a:t> ولا لا وهكذا</a:t>
-            </a:r>
-          </a:p>
-          <a:p>
-            <a:pPr algn="r" rtl="1"/>
-            <a:r>
-              <a:rPr lang="ar-EG" dirty="0"/>
-              <a:t>في </a:t>
-            </a:r>
-            <a:r>
-              <a:rPr lang="ar-EG" dirty="0" err="1"/>
-              <a:t>العاده</a:t>
-            </a:r>
-            <a:r>
-              <a:rPr lang="ar-EG" dirty="0"/>
-              <a:t> </a:t>
-            </a:r>
-            <a:r>
-              <a:rPr lang="ar-EG" dirty="0" err="1"/>
-              <a:t>بتحصل</a:t>
-            </a:r>
-            <a:r>
-              <a:rPr lang="ar-EG" dirty="0"/>
-              <a:t> بعد عملية </a:t>
-            </a:r>
-            <a:r>
-              <a:rPr lang="en-US" sz="1800" dirty="0"/>
-              <a:t>authentication</a:t>
-            </a:r>
-            <a:endParaRPr lang="ar-EG" dirty="0"/>
-          </a:p>
-          <a:p>
-            <a:pPr algn="r" rtl="1"/>
-            <a:r>
-              <a:rPr lang="ar-EG" dirty="0"/>
-              <a:t>هنا في </a:t>
-            </a:r>
-            <a:r>
-              <a:rPr lang="ar-EG" dirty="0" err="1"/>
-              <a:t>العاده</a:t>
-            </a:r>
-            <a:r>
-              <a:rPr lang="ar-EG" dirty="0"/>
-              <a:t> </a:t>
-            </a:r>
-            <a:r>
-              <a:rPr lang="ar-EG" dirty="0" err="1"/>
-              <a:t>بحتاج</a:t>
-            </a:r>
-            <a:r>
-              <a:rPr lang="ar-EG" dirty="0"/>
-              <a:t> </a:t>
-            </a:r>
-            <a:r>
-              <a:rPr lang="ar-EG" dirty="0" err="1"/>
-              <a:t>الإمتيازات</a:t>
-            </a:r>
-            <a:r>
-              <a:rPr lang="ar-EG" dirty="0"/>
-              <a:t> او الحاجات اللي ممكن المستخدم يوصل ليها</a:t>
-            </a:r>
-          </a:p>
-          <a:p>
-            <a:pPr algn="r" rtl="1"/>
-            <a:r>
-              <a:rPr lang="ar-EG" dirty="0" err="1"/>
-              <a:t>مقدرش</a:t>
-            </a:r>
-            <a:r>
-              <a:rPr lang="ar-EG" dirty="0"/>
-              <a:t> اغير في الصلاحيات </a:t>
-            </a:r>
-            <a:r>
-              <a:rPr lang="ar-EG" dirty="0" err="1"/>
-              <a:t>بتاعتي</a:t>
-            </a:r>
-            <a:r>
-              <a:rPr lang="ar-EG" dirty="0"/>
-              <a:t> كيوزر لازم صاحب النظام هو اللي يحدد الصلاحيات </a:t>
-            </a:r>
-            <a:r>
-              <a:rPr lang="ar-EG" dirty="0" err="1"/>
-              <a:t>بتاعتي</a:t>
-            </a:r>
-            <a:r>
-              <a:rPr lang="ar-EG" dirty="0"/>
-              <a:t> أو اخترق النظام واخد كل الصلاحيات ☠</a:t>
-            </a:r>
-          </a:p>
-          <a:p>
-            <a:pPr algn="r" rtl="1"/>
-            <a:r>
-              <a:rPr lang="ar-EG" dirty="0" err="1"/>
-              <a:t>معرفش</a:t>
-            </a:r>
-            <a:r>
-              <a:rPr lang="ar-EG" dirty="0"/>
-              <a:t> اشوف </a:t>
-            </a:r>
-            <a:r>
-              <a:rPr lang="ar-EG" dirty="0" err="1"/>
-              <a:t>العمليه</a:t>
-            </a:r>
-            <a:r>
-              <a:rPr lang="ar-EG" dirty="0"/>
-              <a:t> دي بحيث انها بتكون خاصه بصاحب النظام فقط</a:t>
-            </a:r>
-          </a:p>
-          <a:p>
-            <a:pPr algn="r" rtl="1"/>
-            <a:r>
-              <a:rPr lang="ar-EG" dirty="0" err="1"/>
-              <a:t>نيجي</a:t>
-            </a:r>
-            <a:r>
-              <a:rPr lang="ar-EG" dirty="0"/>
-              <a:t> للمثال بقاا:</a:t>
-            </a:r>
-            <a:br>
-              <a:rPr lang="ar-EG" dirty="0"/>
-            </a:br>
-            <a:r>
-              <a:rPr lang="ar-EG" dirty="0"/>
-              <a:t>بعد </a:t>
-            </a:r>
-            <a:r>
-              <a:rPr lang="ar-EG" dirty="0" err="1"/>
-              <a:t>مالموظفين</a:t>
-            </a:r>
-            <a:r>
-              <a:rPr lang="ar-EG" dirty="0"/>
-              <a:t> اللي فاتو دول عملوا عملية </a:t>
-            </a:r>
-            <a:r>
-              <a:rPr lang="ar-EG" dirty="0" err="1"/>
-              <a:t>المصادقه</a:t>
-            </a:r>
-            <a:r>
-              <a:rPr lang="ar-EG" dirty="0"/>
-              <a:t> </a:t>
-            </a:r>
-            <a:r>
-              <a:rPr lang="ar-EG" dirty="0" err="1"/>
-              <a:t>بيحدد</a:t>
-            </a:r>
-            <a:r>
-              <a:rPr lang="ar-EG" dirty="0"/>
-              <a:t> النظام ايه المعلومات اللي المفروض تظهر لكل موظف واي موظف ممكن يعدل عليها ومين لا وهكذا</a:t>
+              <a:t>(name[req], context[opt])  ||  unlink</a:t>
+            </a:r>
+            <a:r>
+              <a:rPr lang="en-US" b="0" i="0" dirty="0">
+                <a:solidFill>
+                  <a:srgbClr val="000000"/>
+                </a:solidFill>
+                <a:effectLst/>
+                <a:highlight>
+                  <a:srgbClr val="FFFFFF"/>
+                </a:highlight>
+                <a:latin typeface="Segoe UI" panose="020B0502040204020203" pitchFamily="34" charset="0"/>
+              </a:rPr>
+              <a:t>() </a:t>
             </a:r>
           </a:p>
         </p:txBody>
@@ -3992,20 +3846,20 @@
     </p:spTree>
     <p:extLst>
       <p:ext uri="{BB962C8B-B14F-4D97-AF65-F5344CB8AC3E}">
-        <p14:creationId xmlns:p14="http://schemas.microsoft.com/office/powerpoint/2010/main" val="2961492717"/>
+        <p14:creationId xmlns:p14="http://schemas.microsoft.com/office/powerpoint/2010/main" val="232739147"/>
       </p:ext>
     </p:extLst>
   </p:cSld>
   <p:clrMapOvr>
     <a:masterClrMapping/>
   </p:clrMapOvr>
-  <mc:AlternateContent xmlns:mc="http://schemas.openxmlformats.org/markup-compatibility/2006">
-    <mc:Choice xmlns:p14="http://schemas.microsoft.com/office/powerpoint/2010/main" Requires="p14">
+  <mc:AlternateContent xmlns:mc="http://schemas.openxmlformats.org/markup-compatibility/2006" xmlns:p14="http://schemas.microsoft.com/office/powerpoint/2010/main">
+    <mc:Choice Requires="p14">
       <p:transition spd="slow" p14:dur="1500">
         <p:random/>
       </p:transition>
     </mc:Choice>
-    <mc:Fallback>
+    <mc:Fallback xmlns="">
       <p:transition spd="slow">
         <p:random/>
       </p:transition>
@@ -4036,25 +3890,31 @@
           <p:cNvPr id="2" name="Title 1">
             <a:extLst>
               <a:ext uri="{FF2B5EF4-FFF2-40B4-BE49-F238E27FC236}">
-                <a16:creationId xmlns:a16="http://schemas.microsoft.com/office/drawing/2014/main" id="{5B6FDB30-97F4-F045-3D60-4AC0854FDA58}"/>
-              </a:ext>
-            </a:extLst>
-          </p:cNvPr>
-          <p:cNvSpPr>
-            <a:spLocks noGrp="1"/>
-          </p:cNvSpPr>
-          <p:nvPr>
-            <p:ph type="ctrTitle"/>
-          </p:nvPr>
-        </p:nvSpPr>
-        <p:spPr/>
-        <p:txBody>
-          <a:bodyPr/>
-          <a:lstStyle/>
-          <a:p>
+                <a16:creationId xmlns:a16="http://schemas.microsoft.com/office/drawing/2014/main" id="{B7F4888C-4024-EC65-6BCC-199173D5846A}"/>
+              </a:ext>
+            </a:extLst>
+          </p:cNvPr>
+          <p:cNvSpPr>
+            <a:spLocks noGrp="1"/>
+          </p:cNvSpPr>
+          <p:nvPr>
+            <p:ph type="title"/>
+          </p:nvPr>
+        </p:nvSpPr>
+        <p:spPr>
+          <a:xfrm>
+            <a:off x="838200" y="2766218"/>
+            <a:ext cx="10515600" cy="1325563"/>
+          </a:xfrm>
+        </p:spPr>
+        <p:txBody>
+          <a:bodyPr/>
+          <a:lstStyle/>
+          <a:p>
+            <a:pPr algn="ctr"/>
             <a:r>
               <a:rPr lang="en-US" dirty="0"/>
-              <a:t>Thanks</a:t>
+              <a:t>THANKS</a:t>
             </a:r>
           </a:p>
         </p:txBody>
@@ -4062,20 +3922,20 @@
     </p:spTree>
     <p:extLst>
       <p:ext uri="{BB962C8B-B14F-4D97-AF65-F5344CB8AC3E}">
-        <p14:creationId xmlns:p14="http://schemas.microsoft.com/office/powerpoint/2010/main" val="3811410856"/>
+        <p14:creationId xmlns:p14="http://schemas.microsoft.com/office/powerpoint/2010/main" val="869754081"/>
       </p:ext>
     </p:extLst>
   </p:cSld>
   <p:clrMapOvr>
     <a:masterClrMapping/>
   </p:clrMapOvr>
-  <mc:AlternateContent xmlns:mc="http://schemas.openxmlformats.org/markup-compatibility/2006">
-    <mc:Choice xmlns:p14="http://schemas.microsoft.com/office/powerpoint/2010/main" Requires="p14">
+  <mc:AlternateContent xmlns:mc="http://schemas.openxmlformats.org/markup-compatibility/2006" xmlns:p14="http://schemas.microsoft.com/office/powerpoint/2010/main">
+    <mc:Choice Requires="p14">
       <p:transition spd="slow" p14:dur="1500">
         <p:random/>
       </p:transition>
     </mc:Choice>
-    <mc:Fallback>
+    <mc:Fallback xmlns="">
       <p:transition spd="slow">
         <p:random/>
       </p:transition>
@@ -4095,39 +3955,39 @@
         <a:sysClr val="window" lastClr="FFFFFF"/>
       </a:lt1>
       <a:dk2>
-        <a:srgbClr val="0E2841"/>
+        <a:srgbClr val="44546A"/>
       </a:dk2>
       <a:lt2>
-        <a:srgbClr val="E8E8E8"/>
+        <a:srgbClr val="E7E6E6"/>
       </a:lt2>
       <a:accent1>
-        <a:srgbClr val="156082"/>
+        <a:srgbClr val="4472C4"/>
       </a:accent1>
       <a:accent2>
-        <a:srgbClr val="E97132"/>
+        <a:srgbClr val="ED7D31"/>
       </a:accent2>
       <a:accent3>
-        <a:srgbClr val="196B24"/>
+        <a:srgbClr val="A5A5A5"/>
       </a:accent3>
       <a:accent4>
-        <a:srgbClr val="0F9ED5"/>
+        <a:srgbClr val="FFC000"/>
       </a:accent4>
       <a:accent5>
-        <a:srgbClr val="A02B93"/>
+        <a:srgbClr val="5B9BD5"/>
       </a:accent5>
       <a:accent6>
-        <a:srgbClr val="4EA72E"/>
+        <a:srgbClr val="70AD47"/>
       </a:accent6>
       <a:hlink>
-        <a:srgbClr val="467886"/>
+        <a:srgbClr val="0563C1"/>
       </a:hlink>
       <a:folHlink>
-        <a:srgbClr val="96607D"/>
+        <a:srgbClr val="954F72"/>
       </a:folHlink>
     </a:clrScheme>
     <a:fontScheme name="Office">
       <a:majorFont>
-        <a:latin typeface="Aptos Display" panose="02110004020202020204"/>
+        <a:latin typeface="Calibri Light" panose="020F0302020204030204"/>
         <a:ea typeface=""/>
         <a:cs typeface=""/>
         <a:font script="Jpan" typeface="游ゴシック Light"/>
@@ -4179,7 +4039,7 @@
         <a:font script="Tfng" typeface="Ebrima"/>
       </a:majorFont>
       <a:minorFont>
-        <a:latin typeface="Aptos" panose="02110004020202020204"/>
+        <a:latin typeface="Calibri" panose="020F0502020204030204"/>
         <a:ea typeface=""/>
         <a:cs typeface=""/>
         <a:font script="Jpan" typeface="游ゴシック"/>
@@ -4290,6 +4150,13 @@
         </a:gradFill>
       </a:fillStyleLst>
       <a:lnStyleLst>
+        <a:ln w="6350" cap="flat" cmpd="sng" algn="ctr">
+          <a:solidFill>
+            <a:schemeClr val="phClr"/>
+          </a:solidFill>
+          <a:prstDash val="solid"/>
+          <a:miter lim="800000"/>
+        </a:ln>
         <a:ln w="12700" cap="flat" cmpd="sng" algn="ctr">
           <a:solidFill>
             <a:schemeClr val="phClr"/>
@@ -4298,13 +4165,6 @@
           <a:miter lim="800000"/>
         </a:ln>
         <a:ln w="19050" cap="flat" cmpd="sng" algn="ctr">
-          <a:solidFill>
-            <a:schemeClr val="phClr"/>
-          </a:solidFill>
-          <a:prstDash val="solid"/>
-          <a:miter lim="800000"/>
-        </a:ln>
-        <a:ln w="25400" cap="flat" cmpd="sng" algn="ctr">
           <a:solidFill>
             <a:schemeClr val="phClr"/>
           </a:solidFill>
@@ -4369,31 +4229,11 @@
       </a:bgFillStyleLst>
     </a:fmtScheme>
   </a:themeElements>
-  <a:objectDefaults>
-    <a:lnDef>
-      <a:spPr/>
-      <a:bodyPr/>
-      <a:lstStyle/>
-      <a:style>
-        <a:lnRef idx="2">
-          <a:schemeClr val="accent1"/>
-        </a:lnRef>
-        <a:fillRef idx="0">
-          <a:schemeClr val="accent1"/>
-        </a:fillRef>
-        <a:effectRef idx="1">
-          <a:schemeClr val="accent1"/>
-        </a:effectRef>
-        <a:fontRef idx="minor">
-          <a:schemeClr val="tx1"/>
-        </a:fontRef>
-      </a:style>
-    </a:lnDef>
-  </a:objectDefaults>
+  <a:objectDefaults/>
   <a:extraClrSchemeLst/>
   <a:extLst>
     <a:ext uri="{05A4C25C-085E-4340-85A3-A5531E510DB2}">
-      <thm15:themeFamily xmlns:thm15="http://schemas.microsoft.com/office/thememl/2012/main" name="Office Theme" id="{2E142A2C-CD16-42D6-873A-C26D2A0506FA}" vid="{1BDDFF52-6CD6-40A5-AB3C-68EB2F1E4D0A}"/>
+      <thm15:themeFamily xmlns:thm15="http://schemas.microsoft.com/office/thememl/2012/main" name="Office Theme" id="{62F939B6-93AF-4DB8-9C6B-D6C7DFDC589F}" vid="{4A3C46E8-61CC-4603-A589-7422A47A8E4A}"/>
     </a:ext>
   </a:extLst>
 </a:theme>
